--- a/1410_오지훈_플밍_Project_발표자료.pptx
+++ b/1410_오지훈_플밍_Project_발표자료.pptx
@@ -17,7 +17,9 @@
     <p:sldId id="267" r:id="rId11"/>
     <p:sldId id="263" r:id="rId12"/>
     <p:sldId id="268" r:id="rId13"/>
-    <p:sldId id="269" r:id="rId14"/>
+    <p:sldId id="271" r:id="rId14"/>
+    <p:sldId id="272" r:id="rId15"/>
+    <p:sldId id="269" r:id="rId16"/>
   </p:sldIdLst>
   <p:sldSz cx="12192000" cy="6858000"/>
   <p:notesSz cx="6858000" cy="9144000"/>
@@ -4642,13 +4644,13 @@
   <p:clrMapOvr>
     <a:masterClrMapping/>
   </p:clrMapOvr>
-  <mc:AlternateContent xmlns:mc="http://schemas.openxmlformats.org/markup-compatibility/2006">
-    <mc:Choice xmlns:p15="http://schemas.microsoft.com/office/powerpoint/2012/main" Requires="p15">
+  <mc:AlternateContent xmlns:mc="http://schemas.openxmlformats.org/markup-compatibility/2006" xmlns:p15="http://schemas.microsoft.com/office/powerpoint/2012/main">
+    <mc:Choice Requires="p15">
       <p:transition xmlns:p14="http://schemas.microsoft.com/office/powerpoint/2010/main" spd="slow" p14:dur="1250">
         <p15:prstTrans prst="peelOff"/>
       </p:transition>
     </mc:Choice>
-    <mc:Fallback>
+    <mc:Fallback xmlns="">
       <p:transition spd="slow">
         <p:fade/>
       </p:transition>
@@ -4748,13 +4750,13 @@
   <p:clrMapOvr>
     <a:masterClrMapping/>
   </p:clrMapOvr>
-  <mc:AlternateContent xmlns:mc="http://schemas.openxmlformats.org/markup-compatibility/2006">
-    <mc:Choice xmlns:p15="http://schemas.microsoft.com/office/powerpoint/2012/main" Requires="p15">
+  <mc:AlternateContent xmlns:mc="http://schemas.openxmlformats.org/markup-compatibility/2006" xmlns:p15="http://schemas.microsoft.com/office/powerpoint/2012/main">
+    <mc:Choice Requires="p15">
       <p:transition xmlns:p14="http://schemas.microsoft.com/office/powerpoint/2010/main" spd="slow" p14:dur="1250">
         <p15:prstTrans prst="peelOff"/>
       </p:transition>
     </mc:Choice>
-    <mc:Fallback>
+    <mc:Fallback xmlns="">
       <p:transition spd="slow">
         <p:fade/>
       </p:transition>
@@ -4854,13 +4856,13 @@
   <p:clrMapOvr>
     <a:masterClrMapping/>
   </p:clrMapOvr>
-  <mc:AlternateContent xmlns:mc="http://schemas.openxmlformats.org/markup-compatibility/2006">
-    <mc:Choice xmlns:p15="http://schemas.microsoft.com/office/powerpoint/2012/main" Requires="p15">
+  <mc:AlternateContent xmlns:mc="http://schemas.openxmlformats.org/markup-compatibility/2006" xmlns:p15="http://schemas.microsoft.com/office/powerpoint/2012/main">
+    <mc:Choice Requires="p15">
       <p:transition xmlns:p14="http://schemas.microsoft.com/office/powerpoint/2010/main" spd="slow" p14:dur="1250">
         <p15:prstTrans prst="peelOff"/>
       </p:transition>
     </mc:Choice>
-    <mc:Fallback>
+    <mc:Fallback xmlns="">
       <p:transition spd="slow">
         <p:fade/>
       </p:transition>
@@ -4908,6 +4910,621 @@
           <a:lstStyle/>
           <a:p>
             <a:r>
+              <a:rPr lang="ko-KR" altLang="en-US" dirty="0" err="1">
+                <a:latin typeface="안동엄마까투리" panose="020B0600000101010101" pitchFamily="50" charset="-127"/>
+                <a:ea typeface="안동엄마까투리" panose="020B0600000101010101" pitchFamily="50" charset="-127"/>
+              </a:rPr>
+              <a:t>배운점</a:t>
+            </a:r>
+            <a:endParaRPr lang="ko-KR" altLang="en-US" dirty="0">
+              <a:latin typeface="안동엄마까투리" panose="020B0600000101010101" pitchFamily="50" charset="-127"/>
+              <a:ea typeface="안동엄마까투리" panose="020B0600000101010101" pitchFamily="50" charset="-127"/>
+            </a:endParaRPr>
+          </a:p>
+        </p:txBody>
+      </p:sp>
+      <p:pic>
+        <p:nvPicPr>
+          <p:cNvPr id="5" name="그림 4">
+            <a:extLst>
+              <a:ext uri="{FF2B5EF4-FFF2-40B4-BE49-F238E27FC236}">
+                <a16:creationId xmlns:a16="http://schemas.microsoft.com/office/drawing/2014/main" id="{BDD000A8-79EC-2DA8-67D1-EABE2A64CA42}"/>
+              </a:ext>
+            </a:extLst>
+          </p:cNvPr>
+          <p:cNvPicPr>
+            <a:picLocks noChangeAspect="1"/>
+          </p:cNvPicPr>
+          <p:nvPr/>
+        </p:nvPicPr>
+        <p:blipFill>
+          <a:blip r:embed="rId2"/>
+          <a:stretch>
+            <a:fillRect/>
+          </a:stretch>
+        </p:blipFill>
+        <p:spPr>
+          <a:xfrm>
+            <a:off x="415637" y="2327563"/>
+            <a:ext cx="6010758" cy="3348623"/>
+          </a:xfrm>
+          <a:prstGeom prst="rect">
+            <a:avLst/>
+          </a:prstGeom>
+        </p:spPr>
+      </p:pic>
+      <p:grpSp>
+        <p:nvGrpSpPr>
+          <p:cNvPr id="10" name="그룹 9">
+            <a:extLst>
+              <a:ext uri="{FF2B5EF4-FFF2-40B4-BE49-F238E27FC236}">
+                <a16:creationId xmlns:a16="http://schemas.microsoft.com/office/drawing/2014/main" id="{3E0AE5F8-AB0A-244C-14E7-E04F76C316E2}"/>
+              </a:ext>
+            </a:extLst>
+          </p:cNvPr>
+          <p:cNvGrpSpPr/>
+          <p:nvPr/>
+        </p:nvGrpSpPr>
+        <p:grpSpPr>
+          <a:xfrm>
+            <a:off x="6539972" y="3201082"/>
+            <a:ext cx="1451697" cy="1040564"/>
+            <a:chOff x="6539972" y="3201082"/>
+            <a:chExt cx="1451697" cy="1040564"/>
+          </a:xfrm>
+        </p:grpSpPr>
+        <p:sp>
+          <p:nvSpPr>
+            <p:cNvPr id="7" name="화살표: 오른쪽 6">
+              <a:extLst>
+                <a:ext uri="{FF2B5EF4-FFF2-40B4-BE49-F238E27FC236}">
+                  <a16:creationId xmlns:a16="http://schemas.microsoft.com/office/drawing/2014/main" id="{A6BC59D4-2F96-4861-5771-7D296054EEF1}"/>
+                </a:ext>
+              </a:extLst>
+            </p:cNvPr>
+            <p:cNvSpPr/>
+            <p:nvPr/>
+          </p:nvSpPr>
+          <p:spPr>
+            <a:xfrm>
+              <a:off x="6539972" y="3401137"/>
+              <a:ext cx="1451697" cy="840509"/>
+            </a:xfrm>
+            <a:prstGeom prst="rightArrow">
+              <a:avLst>
+                <a:gd name="adj1" fmla="val 50000"/>
+                <a:gd name="adj2" fmla="val 51600"/>
+              </a:avLst>
+            </a:prstGeom>
+          </p:spPr>
+          <p:style>
+            <a:lnRef idx="2">
+              <a:schemeClr val="accent1">
+                <a:shade val="50000"/>
+              </a:schemeClr>
+            </a:lnRef>
+            <a:fillRef idx="1">
+              <a:schemeClr val="accent1"/>
+            </a:fillRef>
+            <a:effectRef idx="0">
+              <a:schemeClr val="accent1"/>
+            </a:effectRef>
+            <a:fontRef idx="minor">
+              <a:schemeClr val="lt1"/>
+            </a:fontRef>
+          </p:style>
+          <p:txBody>
+            <a:bodyPr rtlCol="0" anchor="ctr"/>
+            <a:lstStyle/>
+            <a:p>
+              <a:pPr algn="ctr"/>
+              <a:endParaRPr lang="ko-KR" altLang="en-US"/>
+            </a:p>
+          </p:txBody>
+        </p:sp>
+        <p:sp>
+          <p:nvSpPr>
+            <p:cNvPr id="8" name="TextBox 7">
+              <a:extLst>
+                <a:ext uri="{FF2B5EF4-FFF2-40B4-BE49-F238E27FC236}">
+                  <a16:creationId xmlns:a16="http://schemas.microsoft.com/office/drawing/2014/main" id="{5086CF06-07F0-0FE0-5D25-BDEC8EFF4A32}"/>
+                </a:ext>
+              </a:extLst>
+            </p:cNvPr>
+            <p:cNvSpPr txBox="1"/>
+            <p:nvPr/>
+          </p:nvSpPr>
+          <p:spPr>
+            <a:xfrm>
+              <a:off x="6682315" y="3201082"/>
+              <a:ext cx="760144" cy="400110"/>
+            </a:xfrm>
+            <a:prstGeom prst="rect">
+              <a:avLst/>
+            </a:prstGeom>
+            <a:noFill/>
+          </p:spPr>
+          <p:txBody>
+            <a:bodyPr wrap="none" rtlCol="0">
+              <a:spAutoFit/>
+            </a:bodyPr>
+            <a:lstStyle/>
+            <a:p>
+              <a:r>
+                <a:rPr lang="en-US" altLang="ko-KR" sz="2000" dirty="0">
+                  <a:solidFill>
+                    <a:schemeClr val="accent1"/>
+                  </a:solidFill>
+                  <a:latin typeface="안동엄마까투리" panose="020B0600000101010101" pitchFamily="50" charset="-127"/>
+                  <a:ea typeface="안동엄마까투리" panose="020B0600000101010101" pitchFamily="50" charset="-127"/>
+                </a:rPr>
+                <a:t>5</a:t>
+              </a:r>
+              <a:r>
+                <a:rPr lang="ko-KR" altLang="en-US" sz="2000" dirty="0">
+                  <a:solidFill>
+                    <a:schemeClr val="accent1"/>
+                  </a:solidFill>
+                  <a:latin typeface="안동엄마까투리" panose="020B0600000101010101" pitchFamily="50" charset="-127"/>
+                  <a:ea typeface="안동엄마까투리" panose="020B0600000101010101" pitchFamily="50" charset="-127"/>
+                </a:rPr>
+                <a:t>개월</a:t>
+              </a:r>
+            </a:p>
+          </p:txBody>
+        </p:sp>
+      </p:grpSp>
+      <p:grpSp>
+        <p:nvGrpSpPr>
+          <p:cNvPr id="11" name="그룹 10">
+            <a:extLst>
+              <a:ext uri="{FF2B5EF4-FFF2-40B4-BE49-F238E27FC236}">
+                <a16:creationId xmlns:a16="http://schemas.microsoft.com/office/drawing/2014/main" id="{8C6FBC1D-C7A1-81AA-DD64-9F05C0836B90}"/>
+              </a:ext>
+            </a:extLst>
+          </p:cNvPr>
+          <p:cNvGrpSpPr/>
+          <p:nvPr/>
+        </p:nvGrpSpPr>
+        <p:grpSpPr>
+          <a:xfrm>
+            <a:off x="8035468" y="1287780"/>
+            <a:ext cx="3714420" cy="5004921"/>
+            <a:chOff x="8035468" y="1287780"/>
+            <a:chExt cx="3714420" cy="5004921"/>
+          </a:xfrm>
+        </p:grpSpPr>
+        <p:pic>
+          <p:nvPicPr>
+            <p:cNvPr id="6" name="그림 5">
+              <a:extLst>
+                <a:ext uri="{FF2B5EF4-FFF2-40B4-BE49-F238E27FC236}">
+                  <a16:creationId xmlns:a16="http://schemas.microsoft.com/office/drawing/2014/main" id="{2303795D-C5CB-BB6B-645D-2200944298A8}"/>
+                </a:ext>
+              </a:extLst>
+            </p:cNvPr>
+            <p:cNvPicPr>
+              <a:picLocks noChangeAspect="1"/>
+            </p:cNvPicPr>
+            <p:nvPr/>
+          </p:nvPicPr>
+          <p:blipFill rotWithShape="1">
+            <a:blip r:embed="rId3"/>
+            <a:srcRect r="25605"/>
+            <a:stretch/>
+          </p:blipFill>
+          <p:spPr>
+            <a:xfrm>
+              <a:off x="8035468" y="1823335"/>
+              <a:ext cx="3714420" cy="4469366"/>
+            </a:xfrm>
+            <a:prstGeom prst="rect">
+              <a:avLst/>
+            </a:prstGeom>
+          </p:spPr>
+        </p:pic>
+        <p:sp>
+          <p:nvSpPr>
+            <p:cNvPr id="9" name="TextBox 8">
+              <a:extLst>
+                <a:ext uri="{FF2B5EF4-FFF2-40B4-BE49-F238E27FC236}">
+                  <a16:creationId xmlns:a16="http://schemas.microsoft.com/office/drawing/2014/main" id="{69896BBD-C978-4F30-502A-E5EFD30B5549}"/>
+                </a:ext>
+              </a:extLst>
+            </p:cNvPr>
+            <p:cNvSpPr txBox="1"/>
+            <p:nvPr/>
+          </p:nvSpPr>
+          <p:spPr>
+            <a:xfrm>
+              <a:off x="8493897" y="1287780"/>
+              <a:ext cx="2797561" cy="461665"/>
+            </a:xfrm>
+            <a:prstGeom prst="rect">
+              <a:avLst/>
+            </a:prstGeom>
+            <a:noFill/>
+          </p:spPr>
+          <p:txBody>
+            <a:bodyPr wrap="none" rtlCol="0">
+              <a:spAutoFit/>
+            </a:bodyPr>
+            <a:lstStyle/>
+            <a:p>
+              <a:r>
+                <a:rPr lang="ko-KR" altLang="en-US" sz="2400" dirty="0">
+                  <a:solidFill>
+                    <a:schemeClr val="accent1"/>
+                  </a:solidFill>
+                  <a:latin typeface="안동엄마까투리" panose="020B0600000101010101" pitchFamily="50" charset="-127"/>
+                  <a:ea typeface="안동엄마까투리" panose="020B0600000101010101" pitchFamily="50" charset="-127"/>
+                </a:rPr>
+                <a:t>이번 </a:t>
+              </a:r>
+              <a:r>
+                <a:rPr lang="en-US" altLang="ko-KR" sz="2400" dirty="0" err="1">
+                  <a:solidFill>
+                    <a:schemeClr val="accent1"/>
+                  </a:solidFill>
+                  <a:latin typeface="안동엄마까투리" panose="020B0600000101010101" pitchFamily="50" charset="-127"/>
+                  <a:ea typeface="안동엄마까투리" panose="020B0600000101010101" pitchFamily="50" charset="-127"/>
+                </a:rPr>
+                <a:t>Graphic.h</a:t>
+              </a:r>
+              <a:r>
+                <a:rPr lang="en-US" altLang="ko-KR" sz="2400" dirty="0">
+                  <a:solidFill>
+                    <a:schemeClr val="accent1"/>
+                  </a:solidFill>
+                  <a:latin typeface="안동엄마까투리" panose="020B0600000101010101" pitchFamily="50" charset="-127"/>
+                  <a:ea typeface="안동엄마까투리" panose="020B0600000101010101" pitchFamily="50" charset="-127"/>
+                </a:rPr>
+                <a:t> </a:t>
+              </a:r>
+              <a:r>
+                <a:rPr lang="ko-KR" altLang="en-US" sz="2400" dirty="0">
+                  <a:solidFill>
+                    <a:schemeClr val="accent1"/>
+                  </a:solidFill>
+                  <a:latin typeface="안동엄마까투리" panose="020B0600000101010101" pitchFamily="50" charset="-127"/>
+                  <a:ea typeface="안동엄마까투리" panose="020B0600000101010101" pitchFamily="50" charset="-127"/>
+                </a:rPr>
+                <a:t>코드</a:t>
+              </a:r>
+            </a:p>
+          </p:txBody>
+        </p:sp>
+      </p:grpSp>
+    </p:spTree>
+    <p:extLst>
+      <p:ext uri="{BB962C8B-B14F-4D97-AF65-F5344CB8AC3E}">
+        <p14:creationId xmlns:p14="http://schemas.microsoft.com/office/powerpoint/2010/main" val="73617105"/>
+      </p:ext>
+    </p:extLst>
+  </p:cSld>
+  <p:clrMapOvr>
+    <a:masterClrMapping/>
+  </p:clrMapOvr>
+  <mc:AlternateContent xmlns:mc="http://schemas.openxmlformats.org/markup-compatibility/2006" xmlns:p15="http://schemas.microsoft.com/office/powerpoint/2012/main">
+    <mc:Choice Requires="p15">
+      <p:transition xmlns:p14="http://schemas.microsoft.com/office/powerpoint/2010/main" spd="slow" p14:dur="1250">
+        <p15:prstTrans prst="peelOff"/>
+      </p:transition>
+    </mc:Choice>
+    <mc:Fallback xmlns="">
+      <p:transition spd="slow">
+        <p:fade/>
+      </p:transition>
+    </mc:Fallback>
+  </mc:AlternateContent>
+  <p:timing>
+    <p:tnLst>
+      <p:par>
+        <p:cTn id="1" dur="indefinite" restart="never" nodeType="tmRoot">
+          <p:childTnLst>
+            <p:seq concurrent="1" nextAc="seek">
+              <p:cTn id="2" dur="indefinite" nodeType="mainSeq">
+                <p:childTnLst>
+                  <p:par>
+                    <p:cTn id="3" fill="hold">
+                      <p:stCondLst>
+                        <p:cond delay="indefinite"/>
+                      </p:stCondLst>
+                      <p:childTnLst>
+                        <p:par>
+                          <p:cTn id="4" fill="hold">
+                            <p:stCondLst>
+                              <p:cond delay="0"/>
+                            </p:stCondLst>
+                            <p:childTnLst>
+                              <p:par>
+                                <p:cTn id="5" presetID="22" presetClass="entr" presetSubtype="8" fill="hold" nodeType="clickEffect">
+                                  <p:stCondLst>
+                                    <p:cond delay="0"/>
+                                  </p:stCondLst>
+                                  <p:childTnLst>
+                                    <p:set>
+                                      <p:cBhvr>
+                                        <p:cTn id="6" dur="1" fill="hold">
+                                          <p:stCondLst>
+                                            <p:cond delay="0"/>
+                                          </p:stCondLst>
+                                        </p:cTn>
+                                        <p:tgtEl>
+                                          <p:spTgt spid="5"/>
+                                        </p:tgtEl>
+                                        <p:attrNameLst>
+                                          <p:attrName>style.visibility</p:attrName>
+                                        </p:attrNameLst>
+                                      </p:cBhvr>
+                                      <p:to>
+                                        <p:strVal val="visible"/>
+                                      </p:to>
+                                    </p:set>
+                                    <p:animEffect transition="in" filter="wipe(left)">
+                                      <p:cBhvr>
+                                        <p:cTn id="7" dur="500"/>
+                                        <p:tgtEl>
+                                          <p:spTgt spid="5"/>
+                                        </p:tgtEl>
+                                      </p:cBhvr>
+                                    </p:animEffect>
+                                  </p:childTnLst>
+                                </p:cTn>
+                              </p:par>
+                            </p:childTnLst>
+                          </p:cTn>
+                        </p:par>
+                      </p:childTnLst>
+                    </p:cTn>
+                  </p:par>
+                  <p:par>
+                    <p:cTn id="8" fill="hold">
+                      <p:stCondLst>
+                        <p:cond delay="indefinite"/>
+                      </p:stCondLst>
+                      <p:childTnLst>
+                        <p:par>
+                          <p:cTn id="9" fill="hold">
+                            <p:stCondLst>
+                              <p:cond delay="0"/>
+                            </p:stCondLst>
+                            <p:childTnLst>
+                              <p:par>
+                                <p:cTn id="10" presetID="22" presetClass="entr" presetSubtype="8" fill="hold" nodeType="clickEffect">
+                                  <p:stCondLst>
+                                    <p:cond delay="0"/>
+                                  </p:stCondLst>
+                                  <p:childTnLst>
+                                    <p:set>
+                                      <p:cBhvr>
+                                        <p:cTn id="11" dur="1" fill="hold">
+                                          <p:stCondLst>
+                                            <p:cond delay="0"/>
+                                          </p:stCondLst>
+                                        </p:cTn>
+                                        <p:tgtEl>
+                                          <p:spTgt spid="10"/>
+                                        </p:tgtEl>
+                                        <p:attrNameLst>
+                                          <p:attrName>style.visibility</p:attrName>
+                                        </p:attrNameLst>
+                                      </p:cBhvr>
+                                      <p:to>
+                                        <p:strVal val="visible"/>
+                                      </p:to>
+                                    </p:set>
+                                    <p:animEffect transition="in" filter="wipe(left)">
+                                      <p:cBhvr>
+                                        <p:cTn id="12" dur="500"/>
+                                        <p:tgtEl>
+                                          <p:spTgt spid="10"/>
+                                        </p:tgtEl>
+                                      </p:cBhvr>
+                                    </p:animEffect>
+                                  </p:childTnLst>
+                                </p:cTn>
+                              </p:par>
+                            </p:childTnLst>
+                          </p:cTn>
+                        </p:par>
+                      </p:childTnLst>
+                    </p:cTn>
+                  </p:par>
+                  <p:par>
+                    <p:cTn id="13" fill="hold">
+                      <p:stCondLst>
+                        <p:cond delay="indefinite"/>
+                      </p:stCondLst>
+                      <p:childTnLst>
+                        <p:par>
+                          <p:cTn id="14" fill="hold">
+                            <p:stCondLst>
+                              <p:cond delay="0"/>
+                            </p:stCondLst>
+                            <p:childTnLst>
+                              <p:par>
+                                <p:cTn id="15" presetID="22" presetClass="entr" presetSubtype="8" fill="hold" nodeType="clickEffect">
+                                  <p:stCondLst>
+                                    <p:cond delay="0"/>
+                                  </p:stCondLst>
+                                  <p:childTnLst>
+                                    <p:set>
+                                      <p:cBhvr>
+                                        <p:cTn id="16" dur="1" fill="hold">
+                                          <p:stCondLst>
+                                            <p:cond delay="0"/>
+                                          </p:stCondLst>
+                                        </p:cTn>
+                                        <p:tgtEl>
+                                          <p:spTgt spid="11"/>
+                                        </p:tgtEl>
+                                        <p:attrNameLst>
+                                          <p:attrName>style.visibility</p:attrName>
+                                        </p:attrNameLst>
+                                      </p:cBhvr>
+                                      <p:to>
+                                        <p:strVal val="visible"/>
+                                      </p:to>
+                                    </p:set>
+                                    <p:animEffect transition="in" filter="wipe(left)">
+                                      <p:cBhvr>
+                                        <p:cTn id="17" dur="500"/>
+                                        <p:tgtEl>
+                                          <p:spTgt spid="11"/>
+                                        </p:tgtEl>
+                                      </p:cBhvr>
+                                    </p:animEffect>
+                                  </p:childTnLst>
+                                </p:cTn>
+                              </p:par>
+                            </p:childTnLst>
+                          </p:cTn>
+                        </p:par>
+                      </p:childTnLst>
+                    </p:cTn>
+                  </p:par>
+                </p:childTnLst>
+              </p:cTn>
+              <p:prevCondLst>
+                <p:cond evt="onPrev" delay="0">
+                  <p:tgtEl>
+                    <p:sldTgt/>
+                  </p:tgtEl>
+                </p:cond>
+              </p:prevCondLst>
+              <p:nextCondLst>
+                <p:cond evt="onNext" delay="0">
+                  <p:tgtEl>
+                    <p:sldTgt/>
+                  </p:tgtEl>
+                </p:cond>
+              </p:nextCondLst>
+            </p:seq>
+          </p:childTnLst>
+        </p:cTn>
+      </p:par>
+    </p:tnLst>
+  </p:timing>
+</p:sld>
+</file>
+
+<file path=ppt/slides/slide14.xml><?xml version="1.0" encoding="utf-8"?>
+<p:sld xmlns:a="http://schemas.openxmlformats.org/drawingml/2006/main" xmlns:r="http://schemas.openxmlformats.org/officeDocument/2006/relationships" xmlns:p="http://schemas.openxmlformats.org/presentationml/2006/main">
+  <p:cSld>
+    <p:spTree>
+      <p:nvGrpSpPr>
+        <p:cNvPr id="1" name=""/>
+        <p:cNvGrpSpPr/>
+        <p:nvPr/>
+      </p:nvGrpSpPr>
+      <p:grpSpPr>
+        <a:xfrm>
+          <a:off x="0" y="0"/>
+          <a:ext cx="0" cy="0"/>
+          <a:chOff x="0" y="0"/>
+          <a:chExt cx="0" cy="0"/>
+        </a:xfrm>
+      </p:grpSpPr>
+      <p:sp>
+        <p:nvSpPr>
+          <p:cNvPr id="2" name="제목 1">
+            <a:extLst>
+              <a:ext uri="{FF2B5EF4-FFF2-40B4-BE49-F238E27FC236}">
+                <a16:creationId xmlns:a16="http://schemas.microsoft.com/office/drawing/2014/main" id="{19130A0D-52CC-81DD-D1A7-CB1011320771}"/>
+              </a:ext>
+            </a:extLst>
+          </p:cNvPr>
+          <p:cNvSpPr>
+            <a:spLocks noGrp="1"/>
+          </p:cNvSpPr>
+          <p:nvPr>
+            <p:ph type="title"/>
+          </p:nvPr>
+        </p:nvSpPr>
+        <p:spPr/>
+        <p:txBody>
+          <a:bodyPr/>
+          <a:lstStyle/>
+          <a:p>
+            <a:r>
+              <a:rPr lang="ko-KR" altLang="en-US" dirty="0" err="1">
+                <a:latin typeface="안동엄마까투리" panose="020B0600000101010101" pitchFamily="50" charset="-127"/>
+                <a:ea typeface="안동엄마까투리" panose="020B0600000101010101" pitchFamily="50" charset="-127"/>
+              </a:rPr>
+              <a:t>배운점</a:t>
+            </a:r>
+            <a:endParaRPr lang="ko-KR" altLang="en-US" dirty="0">
+              <a:latin typeface="안동엄마까투리" panose="020B0600000101010101" pitchFamily="50" charset="-127"/>
+              <a:ea typeface="안동엄마까투리" panose="020B0600000101010101" pitchFamily="50" charset="-127"/>
+            </a:endParaRPr>
+          </a:p>
+        </p:txBody>
+      </p:sp>
+    </p:spTree>
+    <p:extLst>
+      <p:ext uri="{BB962C8B-B14F-4D97-AF65-F5344CB8AC3E}">
+        <p14:creationId xmlns:p14="http://schemas.microsoft.com/office/powerpoint/2010/main" val="1294303012"/>
+      </p:ext>
+    </p:extLst>
+  </p:cSld>
+  <p:clrMapOvr>
+    <a:masterClrMapping/>
+  </p:clrMapOvr>
+  <mc:AlternateContent xmlns:mc="http://schemas.openxmlformats.org/markup-compatibility/2006" xmlns:p15="http://schemas.microsoft.com/office/powerpoint/2012/main">
+    <mc:Choice Requires="p15">
+      <p:transition xmlns:p14="http://schemas.microsoft.com/office/powerpoint/2010/main" spd="slow" p14:dur="1250">
+        <p15:prstTrans prst="peelOff"/>
+      </p:transition>
+    </mc:Choice>
+    <mc:Fallback xmlns="">
+      <p:transition spd="slow">
+        <p:fade/>
+      </p:transition>
+    </mc:Fallback>
+  </mc:AlternateContent>
+</p:sld>
+</file>
+
+<file path=ppt/slides/slide15.xml><?xml version="1.0" encoding="utf-8"?>
+<p:sld xmlns:a="http://schemas.openxmlformats.org/drawingml/2006/main" xmlns:r="http://schemas.openxmlformats.org/officeDocument/2006/relationships" xmlns:p="http://schemas.openxmlformats.org/presentationml/2006/main">
+  <p:cSld>
+    <p:spTree>
+      <p:nvGrpSpPr>
+        <p:cNvPr id="1" name=""/>
+        <p:cNvGrpSpPr/>
+        <p:nvPr/>
+      </p:nvGrpSpPr>
+      <p:grpSpPr>
+        <a:xfrm>
+          <a:off x="0" y="0"/>
+          <a:ext cx="0" cy="0"/>
+          <a:chOff x="0" y="0"/>
+          <a:chExt cx="0" cy="0"/>
+        </a:xfrm>
+      </p:grpSpPr>
+      <p:sp>
+        <p:nvSpPr>
+          <p:cNvPr id="2" name="제목 1">
+            <a:extLst>
+              <a:ext uri="{FF2B5EF4-FFF2-40B4-BE49-F238E27FC236}">
+                <a16:creationId xmlns:a16="http://schemas.microsoft.com/office/drawing/2014/main" id="{19130A0D-52CC-81DD-D1A7-CB1011320771}"/>
+              </a:ext>
+            </a:extLst>
+          </p:cNvPr>
+          <p:cNvSpPr>
+            <a:spLocks noGrp="1"/>
+          </p:cNvSpPr>
+          <p:nvPr>
+            <p:ph type="title"/>
+          </p:nvPr>
+        </p:nvSpPr>
+        <p:spPr/>
+        <p:txBody>
+          <a:bodyPr/>
+          <a:lstStyle/>
+          <a:p>
+            <a:r>
               <a:rPr lang="ko-KR" altLang="en-US" dirty="0">
                 <a:latin typeface="안동엄마까투리" panose="020B0600000101010101" pitchFamily="50" charset="-127"/>
                 <a:ea typeface="안동엄마까투리" panose="020B0600000101010101" pitchFamily="50" charset="-127"/>
@@ -4960,13 +5577,13 @@
   <p:clrMapOvr>
     <a:masterClrMapping/>
   </p:clrMapOvr>
-  <mc:AlternateContent xmlns:mc="http://schemas.openxmlformats.org/markup-compatibility/2006">
-    <mc:Choice xmlns:p15="http://schemas.microsoft.com/office/powerpoint/2012/main" Requires="p15">
+  <mc:AlternateContent xmlns:mc="http://schemas.openxmlformats.org/markup-compatibility/2006" xmlns:p15="http://schemas.microsoft.com/office/powerpoint/2012/main">
+    <mc:Choice Requires="p15">
       <p:transition xmlns:p14="http://schemas.microsoft.com/office/powerpoint/2010/main" spd="slow" p14:dur="1250">
         <p15:prstTrans prst="peelOff"/>
       </p:transition>
     </mc:Choice>
-    <mc:Fallback>
+    <mc:Fallback xmlns="">
       <p:transition spd="slow">
         <p:fade/>
       </p:transition>
@@ -5243,6 +5860,19 @@
           </a:p>
           <a:p>
             <a:r>
+              <a:rPr lang="ko-KR" altLang="en-US" sz="2400" dirty="0" err="1">
+                <a:latin typeface="안동엄마까투리" panose="020B0600000101010101" pitchFamily="50" charset="-127"/>
+                <a:ea typeface="안동엄마까투리" panose="020B0600000101010101" pitchFamily="50" charset="-127"/>
+              </a:rPr>
+              <a:t>배운점</a:t>
+            </a:r>
+            <a:endParaRPr lang="en-US" altLang="ko-KR" sz="2400" dirty="0">
+              <a:latin typeface="안동엄마까투리" panose="020B0600000101010101" pitchFamily="50" charset="-127"/>
+              <a:ea typeface="안동엄마까투리" panose="020B0600000101010101" pitchFamily="50" charset="-127"/>
+            </a:endParaRPr>
+          </a:p>
+          <a:p>
+            <a:r>
               <a:rPr lang="ko-KR" altLang="en-US" sz="2400" dirty="0">
                 <a:latin typeface="안동엄마까투리" panose="020B0600000101010101" pitchFamily="50" charset="-127"/>
                 <a:ea typeface="안동엄마까투리" panose="020B0600000101010101" pitchFamily="50" charset="-127"/>
@@ -5266,13 +5896,13 @@
   <p:clrMapOvr>
     <a:masterClrMapping/>
   </p:clrMapOvr>
-  <mc:AlternateContent xmlns:mc="http://schemas.openxmlformats.org/markup-compatibility/2006">
-    <mc:Choice xmlns:p15="http://schemas.microsoft.com/office/powerpoint/2012/main" Requires="p15">
+  <mc:AlternateContent xmlns:mc="http://schemas.openxmlformats.org/markup-compatibility/2006" xmlns:p15="http://schemas.microsoft.com/office/powerpoint/2012/main">
+    <mc:Choice Requires="p15">
       <p:transition xmlns:p14="http://schemas.microsoft.com/office/powerpoint/2010/main" spd="slow" p14:dur="1250">
         <p15:prstTrans prst="peelOff"/>
       </p:transition>
     </mc:Choice>
-    <mc:Fallback>
+    <mc:Fallback xmlns="">
       <p:transition spd="slow">
         <p:fade/>
       </p:transition>
@@ -5599,13 +6229,13 @@
   <p:clrMapOvr>
     <a:masterClrMapping/>
   </p:clrMapOvr>
-  <mc:AlternateContent xmlns:mc="http://schemas.openxmlformats.org/markup-compatibility/2006">
-    <mc:Choice xmlns:p15="http://schemas.microsoft.com/office/powerpoint/2012/main" Requires="p15">
+  <mc:AlternateContent xmlns:mc="http://schemas.openxmlformats.org/markup-compatibility/2006" xmlns:p15="http://schemas.microsoft.com/office/powerpoint/2012/main">
+    <mc:Choice Requires="p15">
       <p:transition xmlns:p14="http://schemas.microsoft.com/office/powerpoint/2010/main" spd="slow" p14:dur="1250">
         <p15:prstTrans prst="peelOff"/>
       </p:transition>
     </mc:Choice>
-    <mc:Fallback>
+    <mc:Fallback xmlns="">
       <p:transition spd="slow">
         <p:fade/>
       </p:transition>
@@ -5953,7 +6583,7 @@
                             </p:stCondLst>
                             <p:childTnLst>
                               <p:par>
-                                <p:cTn id="30" presetID="2" presetClass="entr" presetSubtype="2" fill="hold" grpId="0" nodeType="clickEffect">
+                                <p:cTn id="30" presetID="22" presetClass="entr" presetSubtype="1" fill="hold" grpId="0" nodeType="clickEffect">
                                   <p:stCondLst>
                                     <p:cond delay="0"/>
                                   </p:stCondLst>
@@ -5976,52 +6606,14 @@
                                         <p:strVal val="visible"/>
                                       </p:to>
                                     </p:set>
-                                    <p:anim calcmode="lin" valueType="num">
-                                      <p:cBhvr additive="base">
-                                        <p:cTn id="32" dur="500" fill="hold"/>
+                                    <p:animEffect transition="in" filter="wipe(up)">
+                                      <p:cBhvr>
+                                        <p:cTn id="32" dur="500"/>
                                         <p:tgtEl>
                                           <p:spTgt spid="4"/>
                                         </p:tgtEl>
-                                        <p:attrNameLst>
-                                          <p:attrName>ppt_x</p:attrName>
-                                        </p:attrNameLst>
                                       </p:cBhvr>
-                                      <p:tavLst>
-                                        <p:tav tm="0">
-                                          <p:val>
-                                            <p:strVal val="1+#ppt_w/2"/>
-                                          </p:val>
-                                        </p:tav>
-                                        <p:tav tm="100000">
-                                          <p:val>
-                                            <p:strVal val="#ppt_x"/>
-                                          </p:val>
-                                        </p:tav>
-                                      </p:tavLst>
-                                    </p:anim>
-                                    <p:anim calcmode="lin" valueType="num">
-                                      <p:cBhvr additive="base">
-                                        <p:cTn id="33" dur="500" fill="hold"/>
-                                        <p:tgtEl>
-                                          <p:spTgt spid="4"/>
-                                        </p:tgtEl>
-                                        <p:attrNameLst>
-                                          <p:attrName>ppt_y</p:attrName>
-                                        </p:attrNameLst>
-                                      </p:cBhvr>
-                                      <p:tavLst>
-                                        <p:tav tm="0">
-                                          <p:val>
-                                            <p:strVal val="#ppt_y"/>
-                                          </p:val>
-                                        </p:tav>
-                                        <p:tav tm="100000">
-                                          <p:val>
-                                            <p:strVal val="#ppt_y"/>
-                                          </p:val>
-                                        </p:tav>
-                                      </p:tavLst>
-                                    </p:anim>
+                                    </p:animEffect>
                                   </p:childTnLst>
                                 </p:cTn>
                               </p:par>
@@ -6155,13 +6747,13 @@
   <p:clrMapOvr>
     <a:masterClrMapping/>
   </p:clrMapOvr>
-  <mc:AlternateContent xmlns:mc="http://schemas.openxmlformats.org/markup-compatibility/2006">
-    <mc:Choice xmlns:p15="http://schemas.microsoft.com/office/powerpoint/2012/main" Requires="p15">
+  <mc:AlternateContent xmlns:mc="http://schemas.openxmlformats.org/markup-compatibility/2006" xmlns:p15="http://schemas.microsoft.com/office/powerpoint/2012/main">
+    <mc:Choice Requires="p15">
       <p:transition xmlns:p14="http://schemas.microsoft.com/office/powerpoint/2010/main" spd="slow" p14:dur="1250">
         <p15:prstTrans prst="peelOff"/>
       </p:transition>
     </mc:Choice>
-    <mc:Fallback>
+    <mc:Fallback xmlns="">
       <p:transition spd="slow">
         <p:fade/>
       </p:transition>
@@ -6391,13 +6983,13 @@
   <p:clrMapOvr>
     <a:masterClrMapping/>
   </p:clrMapOvr>
-  <mc:AlternateContent xmlns:mc="http://schemas.openxmlformats.org/markup-compatibility/2006">
-    <mc:Choice xmlns:p15="http://schemas.microsoft.com/office/powerpoint/2012/main" Requires="p15">
+  <mc:AlternateContent xmlns:mc="http://schemas.openxmlformats.org/markup-compatibility/2006" xmlns:p15="http://schemas.microsoft.com/office/powerpoint/2012/main">
+    <mc:Choice Requires="p15">
       <p:transition xmlns:p14="http://schemas.microsoft.com/office/powerpoint/2010/main" spd="slow" p14:dur="1250">
         <p15:prstTrans prst="peelOff"/>
       </p:transition>
     </mc:Choice>
-    <mc:Fallback>
+    <mc:Fallback xmlns="">
       <p:transition spd="slow">
         <p:fade/>
       </p:transition>
@@ -6920,13 +7512,13 @@
   <p:clrMapOvr>
     <a:masterClrMapping/>
   </p:clrMapOvr>
-  <mc:AlternateContent xmlns:mc="http://schemas.openxmlformats.org/markup-compatibility/2006">
-    <mc:Choice xmlns:p15="http://schemas.microsoft.com/office/powerpoint/2012/main" Requires="p15">
+  <mc:AlternateContent xmlns:mc="http://schemas.openxmlformats.org/markup-compatibility/2006" xmlns:p15="http://schemas.microsoft.com/office/powerpoint/2012/main">
+    <mc:Choice Requires="p15">
       <p:transition xmlns:p14="http://schemas.microsoft.com/office/powerpoint/2010/main" spd="slow" p14:dur="1250">
         <p15:prstTrans prst="peelOff"/>
       </p:transition>
     </mc:Choice>
-    <mc:Fallback>
+    <mc:Fallback xmlns="">
       <p:transition spd="slow">
         <p:fade/>
       </p:transition>
@@ -7196,13 +7788,13 @@
   <p:clrMapOvr>
     <a:masterClrMapping/>
   </p:clrMapOvr>
-  <mc:AlternateContent xmlns:mc="http://schemas.openxmlformats.org/markup-compatibility/2006">
-    <mc:Choice xmlns:p15="http://schemas.microsoft.com/office/powerpoint/2012/main" Requires="p15">
+  <mc:AlternateContent xmlns:mc="http://schemas.openxmlformats.org/markup-compatibility/2006" xmlns:p15="http://schemas.microsoft.com/office/powerpoint/2012/main">
+    <mc:Choice Requires="p15">
       <p:transition xmlns:p14="http://schemas.microsoft.com/office/powerpoint/2010/main" spd="slow" p14:dur="1250">
         <p15:prstTrans prst="peelOff"/>
       </p:transition>
     </mc:Choice>
-    <mc:Fallback>
+    <mc:Fallback xmlns="">
       <p:transition spd="slow">
         <p:fade/>
       </p:transition>
@@ -7459,13 +8051,13 @@
   <p:clrMapOvr>
     <a:masterClrMapping/>
   </p:clrMapOvr>
-  <mc:AlternateContent xmlns:mc="http://schemas.openxmlformats.org/markup-compatibility/2006">
-    <mc:Choice xmlns:p15="http://schemas.microsoft.com/office/powerpoint/2012/main" Requires="p15">
+  <mc:AlternateContent xmlns:mc="http://schemas.openxmlformats.org/markup-compatibility/2006" xmlns:p15="http://schemas.microsoft.com/office/powerpoint/2012/main">
+    <mc:Choice Requires="p15">
       <p:transition xmlns:p14="http://schemas.microsoft.com/office/powerpoint/2010/main" spd="slow" p14:dur="1250">
         <p15:prstTrans prst="peelOff"/>
       </p:transition>
     </mc:Choice>
-    <mc:Fallback>
+    <mc:Fallback xmlns="">
       <p:transition spd="slow">
         <p:fade/>
       </p:transition>

--- a/1410_오지훈_플밍_Project_발표자료.pptx
+++ b/1410_오지훈_플밍_Project_발표자료.pptx
@@ -9,17 +9,18 @@
     <p:sldId id="258" r:id="rId3"/>
     <p:sldId id="257" r:id="rId4"/>
     <p:sldId id="260" r:id="rId5"/>
-    <p:sldId id="261" r:id="rId6"/>
-    <p:sldId id="270" r:id="rId7"/>
-    <p:sldId id="266" r:id="rId8"/>
-    <p:sldId id="264" r:id="rId9"/>
-    <p:sldId id="265" r:id="rId10"/>
-    <p:sldId id="267" r:id="rId11"/>
-    <p:sldId id="263" r:id="rId12"/>
-    <p:sldId id="268" r:id="rId13"/>
-    <p:sldId id="271" r:id="rId14"/>
-    <p:sldId id="272" r:id="rId15"/>
-    <p:sldId id="269" r:id="rId16"/>
+    <p:sldId id="270" r:id="rId6"/>
+    <p:sldId id="273" r:id="rId7"/>
+    <p:sldId id="274" r:id="rId8"/>
+    <p:sldId id="266" r:id="rId9"/>
+    <p:sldId id="264" r:id="rId10"/>
+    <p:sldId id="265" r:id="rId11"/>
+    <p:sldId id="267" r:id="rId12"/>
+    <p:sldId id="263" r:id="rId13"/>
+    <p:sldId id="268" r:id="rId14"/>
+    <p:sldId id="271" r:id="rId15"/>
+    <p:sldId id="272" r:id="rId16"/>
+    <p:sldId id="269" r:id="rId17"/>
   </p:sldIdLst>
   <p:sldSz cx="12192000" cy="6858000"/>
   <p:notesSz cx="6858000" cy="9144000"/>
@@ -322,7 +323,7 @@
           <a:p>
             <a:fld id="{55F69F4B-D390-4E2F-9ED8-A52F68FCBDE0}" type="datetimeFigureOut">
               <a:rPr lang="ko-KR" altLang="en-US" smtClean="0"/>
-              <a:t>2022-11-20</a:t>
+              <a:t>2022-11-25</a:t>
             </a:fld>
             <a:endParaRPr lang="ko-KR" altLang="en-US"/>
           </a:p>
@@ -543,7 +544,7 @@
           <a:p>
             <a:fld id="{55F69F4B-D390-4E2F-9ED8-A52F68FCBDE0}" type="datetimeFigureOut">
               <a:rPr lang="ko-KR" altLang="en-US" smtClean="0"/>
-              <a:t>2022-11-20</a:t>
+              <a:t>2022-11-25</a:t>
             </a:fld>
             <a:endParaRPr lang="ko-KR" altLang="en-US"/>
           </a:p>
@@ -723,7 +724,7 @@
           <a:p>
             <a:fld id="{55F69F4B-D390-4E2F-9ED8-A52F68FCBDE0}" type="datetimeFigureOut">
               <a:rPr lang="ko-KR" altLang="en-US" smtClean="0"/>
-              <a:t>2022-11-20</a:t>
+              <a:t>2022-11-25</a:t>
             </a:fld>
             <a:endParaRPr lang="ko-KR" altLang="en-US"/>
           </a:p>
@@ -893,7 +894,7 @@
           <a:p>
             <a:fld id="{55F69F4B-D390-4E2F-9ED8-A52F68FCBDE0}" type="datetimeFigureOut">
               <a:rPr lang="ko-KR" altLang="en-US" smtClean="0"/>
-              <a:t>2022-11-20</a:t>
+              <a:t>2022-11-25</a:t>
             </a:fld>
             <a:endParaRPr lang="ko-KR" altLang="en-US"/>
           </a:p>
@@ -1144,7 +1145,7 @@
           <a:p>
             <a:fld id="{55F69F4B-D390-4E2F-9ED8-A52F68FCBDE0}" type="datetimeFigureOut">
               <a:rPr lang="ko-KR" altLang="en-US" smtClean="0"/>
-              <a:t>2022-11-20</a:t>
+              <a:t>2022-11-25</a:t>
             </a:fld>
             <a:endParaRPr lang="ko-KR" altLang="en-US"/>
           </a:p>
@@ -1467,7 +1468,7 @@
           <a:p>
             <a:fld id="{55F69F4B-D390-4E2F-9ED8-A52F68FCBDE0}" type="datetimeFigureOut">
               <a:rPr lang="ko-KR" altLang="en-US" smtClean="0"/>
-              <a:t>2022-11-20</a:t>
+              <a:t>2022-11-25</a:t>
             </a:fld>
             <a:endParaRPr lang="ko-KR" altLang="en-US"/>
           </a:p>
@@ -1891,7 +1892,7 @@
           <a:p>
             <a:fld id="{55F69F4B-D390-4E2F-9ED8-A52F68FCBDE0}" type="datetimeFigureOut">
               <a:rPr lang="ko-KR" altLang="en-US" smtClean="0"/>
-              <a:t>2022-11-20</a:t>
+              <a:t>2022-11-25</a:t>
             </a:fld>
             <a:endParaRPr lang="ko-KR" altLang="en-US"/>
           </a:p>
@@ -2009,7 +2010,7 @@
           <a:p>
             <a:fld id="{55F69F4B-D390-4E2F-9ED8-A52F68FCBDE0}" type="datetimeFigureOut">
               <a:rPr lang="ko-KR" altLang="en-US" smtClean="0"/>
-              <a:t>2022-11-20</a:t>
+              <a:t>2022-11-25</a:t>
             </a:fld>
             <a:endParaRPr lang="ko-KR" altLang="en-US"/>
           </a:p>
@@ -2104,7 +2105,7 @@
           <a:p>
             <a:fld id="{55F69F4B-D390-4E2F-9ED8-A52F68FCBDE0}" type="datetimeFigureOut">
               <a:rPr lang="ko-KR" altLang="en-US" smtClean="0"/>
-              <a:t>2022-11-20</a:t>
+              <a:t>2022-11-25</a:t>
             </a:fld>
             <a:endParaRPr lang="ko-KR" altLang="en-US"/>
           </a:p>
@@ -2394,7 +2395,7 @@
           <a:p>
             <a:fld id="{55F69F4B-D390-4E2F-9ED8-A52F68FCBDE0}" type="datetimeFigureOut">
               <a:rPr lang="ko-KR" altLang="en-US" smtClean="0"/>
-              <a:t>2022-11-20</a:t>
+              <a:t>2022-11-25</a:t>
             </a:fld>
             <a:endParaRPr lang="ko-KR" altLang="en-US"/>
           </a:p>
@@ -2666,7 +2667,7 @@
           <a:p>
             <a:fld id="{55F69F4B-D390-4E2F-9ED8-A52F68FCBDE0}" type="datetimeFigureOut">
               <a:rPr lang="ko-KR" altLang="en-US" smtClean="0"/>
-              <a:t>2022-11-20</a:t>
+              <a:t>2022-11-25</a:t>
             </a:fld>
             <a:endParaRPr lang="ko-KR" altLang="en-US"/>
           </a:p>
@@ -2920,7 +2921,7 @@
           <a:p>
             <a:fld id="{55F69F4B-D390-4E2F-9ED8-A52F68FCBDE0}" type="datetimeFigureOut">
               <a:rPr lang="ko-KR" altLang="en-US" smtClean="0"/>
-              <a:t>2022-11-20</a:t>
+              <a:t>2022-11-25</a:t>
             </a:fld>
             <a:endParaRPr lang="ko-KR" altLang="en-US"/>
           </a:p>
@@ -4456,6 +4457,269 @@
                 <a:latin typeface="안동엄마까투리" panose="020B0600000101010101" pitchFamily="50" charset="-127"/>
                 <a:ea typeface="안동엄마까투리" panose="020B0600000101010101" pitchFamily="50" charset="-127"/>
               </a:rPr>
+              <a:t>충돌 감지</a:t>
+            </a:r>
+          </a:p>
+        </p:txBody>
+      </p:sp>
+      <p:graphicFrame>
+        <p:nvGraphicFramePr>
+          <p:cNvPr id="5" name="표 5">
+            <a:extLst>
+              <a:ext uri="{FF2B5EF4-FFF2-40B4-BE49-F238E27FC236}">
+                <a16:creationId xmlns:a16="http://schemas.microsoft.com/office/drawing/2014/main" id="{7C148D80-6977-BEB8-81D1-2DBD18736FDE}"/>
+              </a:ext>
+            </a:extLst>
+          </p:cNvPr>
+          <p:cNvGraphicFramePr>
+            <a:graphicFrameLocks noGrp="1"/>
+          </p:cNvGraphicFramePr>
+          <p:nvPr>
+            <p:ph idx="1"/>
+            <p:extLst>
+              <p:ext uri="{D42A27DB-BD31-4B8C-83A1-F6EECF244321}">
+                <p14:modId xmlns:p14="http://schemas.microsoft.com/office/powerpoint/2010/main" val="3824559600"/>
+              </p:ext>
+            </p:extLst>
+          </p:nvPr>
+        </p:nvGraphicFramePr>
+        <p:xfrm>
+          <a:off x="1176338" y="1965960"/>
+          <a:ext cx="9872662" cy="4190999"/>
+        </p:xfrm>
+        <a:graphic>
+          <a:graphicData uri="http://schemas.openxmlformats.org/drawingml/2006/table">
+            <a:tbl>
+              <a:tblPr firstRow="1" bandRow="1">
+                <a:tableStyleId>{5C22544A-7EE6-4342-B048-85BDC9FD1C3A}</a:tableStyleId>
+              </a:tblPr>
+              <a:tblGrid>
+                <a:gridCol w="4936331">
+                  <a:extLst>
+                    <a:ext uri="{9D8B030D-6E8A-4147-A177-3AD203B41FA5}">
+                      <a16:colId xmlns:a16="http://schemas.microsoft.com/office/drawing/2014/main" val="1889805712"/>
+                    </a:ext>
+                  </a:extLst>
+                </a:gridCol>
+                <a:gridCol w="4936331">
+                  <a:extLst>
+                    <a:ext uri="{9D8B030D-6E8A-4147-A177-3AD203B41FA5}">
+                      <a16:colId xmlns:a16="http://schemas.microsoft.com/office/drawing/2014/main" val="2261537799"/>
+                    </a:ext>
+                  </a:extLst>
+                </a:gridCol>
+              </a:tblGrid>
+              <a:tr h="406203">
+                <a:tc>
+                  <a:txBody>
+                    <a:bodyPr/>
+                    <a:lstStyle/>
+                    <a:p>
+                      <a:pPr algn="ctr" latinLnBrk="1"/>
+                      <a:r>
+                        <a:rPr lang="en-US" altLang="ko-KR" b="1" dirty="0" err="1">
+                          <a:latin typeface="Georgia" panose="02040502050405020303" pitchFamily="18" charset="0"/>
+                        </a:rPr>
+                        <a:t>Dalma</a:t>
+                      </a:r>
+                      <a:endParaRPr lang="ko-KR" altLang="en-US" b="1" dirty="0">
+                        <a:latin typeface="Georgia" panose="02040502050405020303" pitchFamily="18" charset="0"/>
+                      </a:endParaRPr>
+                    </a:p>
+                  </a:txBody>
+                  <a:tcPr/>
+                </a:tc>
+                <a:tc>
+                  <a:txBody>
+                    <a:bodyPr/>
+                    <a:lstStyle/>
+                    <a:p>
+                      <a:pPr algn="ctr" latinLnBrk="1"/>
+                      <a:r>
+                        <a:rPr lang="en-US" altLang="ko-KR" b="1" dirty="0">
+                          <a:latin typeface="Georgia" panose="02040502050405020303" pitchFamily="18" charset="0"/>
+                        </a:rPr>
+                        <a:t>Console Engine</a:t>
+                      </a:r>
+                      <a:endParaRPr lang="ko-KR" altLang="en-US" b="1" dirty="0">
+                        <a:latin typeface="Georgia" panose="02040502050405020303" pitchFamily="18" charset="0"/>
+                      </a:endParaRPr>
+                    </a:p>
+                  </a:txBody>
+                  <a:tcPr/>
+                </a:tc>
+                <a:extLst>
+                  <a:ext uri="{0D108BD9-81ED-4DB2-BD59-A6C34878D82A}">
+                    <a16:rowId xmlns:a16="http://schemas.microsoft.com/office/drawing/2014/main" val="2044537910"/>
+                  </a:ext>
+                </a:extLst>
+              </a:tr>
+              <a:tr h="3784796">
+                <a:tc>
+                  <a:txBody>
+                    <a:bodyPr/>
+                    <a:lstStyle/>
+                    <a:p>
+                      <a:pPr algn="ctr" latinLnBrk="1"/>
+                      <a:r>
+                        <a:rPr lang="ko-KR" altLang="en-US" dirty="0">
+                          <a:solidFill>
+                            <a:schemeClr val="accent1"/>
+                          </a:solidFill>
+                        </a:rPr>
+                        <a:t>픽셀감지 방식과</a:t>
+                      </a:r>
+                      <a:endParaRPr lang="en-US" altLang="ko-KR" dirty="0">
+                        <a:solidFill>
+                          <a:schemeClr val="accent1"/>
+                        </a:solidFill>
+                      </a:endParaRPr>
+                    </a:p>
+                    <a:p>
+                      <a:pPr algn="ctr" latinLnBrk="1"/>
+                      <a:r>
+                        <a:rPr lang="en-US" altLang="ko-KR" dirty="0">
+                          <a:solidFill>
+                            <a:schemeClr val="accent1"/>
+                          </a:solidFill>
+                        </a:rPr>
+                        <a:t>OBB</a:t>
+                      </a:r>
+                      <a:r>
+                        <a:rPr lang="ko-KR" altLang="en-US" dirty="0">
+                          <a:solidFill>
+                            <a:schemeClr val="accent1"/>
+                          </a:solidFill>
+                        </a:rPr>
+                        <a:t>방식의 차이점</a:t>
+                      </a:r>
+                      <a:r>
+                        <a:rPr lang="en-US" altLang="ko-KR" dirty="0">
+                          <a:solidFill>
+                            <a:schemeClr val="accent1"/>
+                          </a:solidFill>
+                        </a:rPr>
+                        <a:t>? </a:t>
+                      </a:r>
+                      <a:r>
+                        <a:rPr lang="ko-KR" altLang="en-US" dirty="0">
+                          <a:solidFill>
+                            <a:schemeClr val="accent1"/>
+                          </a:solidFill>
+                        </a:rPr>
+                        <a:t>서술</a:t>
+                      </a:r>
+                    </a:p>
+                  </a:txBody>
+                  <a:tcPr/>
+                </a:tc>
+                <a:tc>
+                  <a:txBody>
+                    <a:bodyPr/>
+                    <a:lstStyle/>
+                    <a:p>
+                      <a:pPr algn="ctr" latinLnBrk="1"/>
+                      <a:endParaRPr lang="ko-KR" altLang="en-US" dirty="0">
+                        <a:solidFill>
+                          <a:schemeClr val="accent1"/>
+                        </a:solidFill>
+                      </a:endParaRPr>
+                    </a:p>
+                  </a:txBody>
+                  <a:tcPr/>
+                </a:tc>
+                <a:extLst>
+                  <a:ext uri="{0D108BD9-81ED-4DB2-BD59-A6C34878D82A}">
+                    <a16:rowId xmlns:a16="http://schemas.microsoft.com/office/drawing/2014/main" val="1622543783"/>
+                  </a:ext>
+                </a:extLst>
+              </a:tr>
+            </a:tbl>
+          </a:graphicData>
+        </a:graphic>
+      </p:graphicFrame>
+    </p:spTree>
+    <p:extLst>
+      <p:ext uri="{BB962C8B-B14F-4D97-AF65-F5344CB8AC3E}">
+        <p14:creationId xmlns:p14="http://schemas.microsoft.com/office/powerpoint/2010/main" val="1106584346"/>
+      </p:ext>
+    </p:extLst>
+  </p:cSld>
+  <p:clrMapOvr>
+    <a:masterClrMapping/>
+  </p:clrMapOvr>
+  <mc:AlternateContent xmlns:mc="http://schemas.openxmlformats.org/markup-compatibility/2006" xmlns:p15="http://schemas.microsoft.com/office/powerpoint/2012/main">
+    <mc:Choice Requires="p15">
+      <p:transition xmlns:p14="http://schemas.microsoft.com/office/powerpoint/2010/main" spd="slow" p14:dur="1250">
+        <p15:prstTrans prst="peelOff"/>
+      </p:transition>
+    </mc:Choice>
+    <mc:Fallback xmlns="">
+      <p:transition spd="slow">
+        <p:fade/>
+      </p:transition>
+    </mc:Fallback>
+  </mc:AlternateContent>
+</p:sld>
+</file>
+
+<file path=ppt/slides/slide11.xml><?xml version="1.0" encoding="utf-8"?>
+<p:sld xmlns:a="http://schemas.openxmlformats.org/drawingml/2006/main" xmlns:r="http://schemas.openxmlformats.org/officeDocument/2006/relationships" xmlns:p="http://schemas.openxmlformats.org/presentationml/2006/main">
+  <p:cSld>
+    <p:spTree>
+      <p:nvGrpSpPr>
+        <p:cNvPr id="1" name=""/>
+        <p:cNvGrpSpPr/>
+        <p:nvPr/>
+      </p:nvGrpSpPr>
+      <p:grpSpPr>
+        <a:xfrm>
+          <a:off x="0" y="0"/>
+          <a:ext cx="0" cy="0"/>
+          <a:chOff x="0" y="0"/>
+          <a:chExt cx="0" cy="0"/>
+        </a:xfrm>
+      </p:grpSpPr>
+      <p:sp>
+        <p:nvSpPr>
+          <p:cNvPr id="2" name="제목 1">
+            <a:extLst>
+              <a:ext uri="{FF2B5EF4-FFF2-40B4-BE49-F238E27FC236}">
+                <a16:creationId xmlns:a16="http://schemas.microsoft.com/office/drawing/2014/main" id="{19130A0D-52CC-81DD-D1A7-CB1011320771}"/>
+              </a:ext>
+            </a:extLst>
+          </p:cNvPr>
+          <p:cNvSpPr>
+            <a:spLocks noGrp="1"/>
+          </p:cNvSpPr>
+          <p:nvPr>
+            <p:ph type="title"/>
+          </p:nvPr>
+        </p:nvSpPr>
+        <p:spPr/>
+        <p:txBody>
+          <a:bodyPr/>
+          <a:lstStyle/>
+          <a:p>
+            <a:r>
+              <a:rPr lang="ko-KR" altLang="en-US" dirty="0">
+                <a:latin typeface="안동엄마까투리" panose="020B0600000101010101" pitchFamily="50" charset="-127"/>
+                <a:ea typeface="안동엄마까투리" panose="020B0600000101010101" pitchFamily="50" charset="-127"/>
+              </a:rPr>
+              <a:t>전작과의 차이점 </a:t>
+            </a:r>
+            <a:r>
+              <a:rPr lang="en-US" altLang="ko-KR" dirty="0">
+                <a:latin typeface="안동엄마까투리" panose="020B0600000101010101" pitchFamily="50" charset="-127"/>
+                <a:ea typeface="안동엄마까투리" panose="020B0600000101010101" pitchFamily="50" charset="-127"/>
+              </a:rPr>
+              <a:t>– </a:t>
+            </a:r>
+            <a:r>
+              <a:rPr lang="ko-KR" altLang="en-US" dirty="0">
+                <a:latin typeface="안동엄마까투리" panose="020B0600000101010101" pitchFamily="50" charset="-127"/>
+                <a:ea typeface="안동엄마까투리" panose="020B0600000101010101" pitchFamily="50" charset="-127"/>
+              </a:rPr>
               <a:t>확장성</a:t>
             </a:r>
           </a:p>
@@ -4659,7 +4923,7 @@
 </p:sld>
 </file>
 
-<file path=ppt/slides/slide11.xml><?xml version="1.0" encoding="utf-8"?>
+<file path=ppt/slides/slide12.xml><?xml version="1.0" encoding="utf-8"?>
 <p:sld xmlns:a="http://schemas.openxmlformats.org/drawingml/2006/main" xmlns:r="http://schemas.openxmlformats.org/officeDocument/2006/relationships" xmlns:p="http://schemas.openxmlformats.org/presentationml/2006/main">
   <p:cSld>
     <p:spTree>
@@ -4765,7 +5029,7 @@
 </p:sld>
 </file>
 
-<file path=ppt/slides/slide12.xml><?xml version="1.0" encoding="utf-8"?>
+<file path=ppt/slides/slide13.xml><?xml version="1.0" encoding="utf-8"?>
 <p:sld xmlns:a="http://schemas.openxmlformats.org/drawingml/2006/main" xmlns:r="http://schemas.openxmlformats.org/officeDocument/2006/relationships" xmlns:p="http://schemas.openxmlformats.org/presentationml/2006/main">
   <p:cSld>
     <p:spTree>
@@ -4871,7 +5135,7 @@
 </p:sld>
 </file>
 
-<file path=ppt/slides/slide13.xml><?xml version="1.0" encoding="utf-8"?>
+<file path=ppt/slides/slide14.xml><?xml version="1.0" encoding="utf-8"?>
 <p:sld xmlns:a="http://schemas.openxmlformats.org/drawingml/2006/main" xmlns:r="http://schemas.openxmlformats.org/officeDocument/2006/relationships" xmlns:p="http://schemas.openxmlformats.org/presentationml/2006/main">
   <p:cSld>
     <p:spTree>
@@ -5409,7 +5673,7 @@
 </p:sld>
 </file>
 
-<file path=ppt/slides/slide14.xml><?xml version="1.0" encoding="utf-8"?>
+<file path=ppt/slides/slide15.xml><?xml version="1.0" encoding="utf-8"?>
 <p:sld xmlns:a="http://schemas.openxmlformats.org/drawingml/2006/main" xmlns:r="http://schemas.openxmlformats.org/officeDocument/2006/relationships" xmlns:p="http://schemas.openxmlformats.org/presentationml/2006/main">
   <p:cSld>
     <p:spTree>
@@ -5486,7 +5750,7 @@
 </p:sld>
 </file>
 
-<file path=ppt/slides/slide15.xml><?xml version="1.0" encoding="utf-8"?>
+<file path=ppt/slides/slide16.xml><?xml version="1.0" encoding="utf-8"?>
 <p:sld xmlns:a="http://schemas.openxmlformats.org/drawingml/2006/main" xmlns:r="http://schemas.openxmlformats.org/officeDocument/2006/relationships" xmlns:p="http://schemas.openxmlformats.org/presentationml/2006/main">
   <p:cSld>
     <p:spTree>
@@ -5812,7 +6076,7 @@
                 <a:latin typeface="안동엄마까투리" panose="020B0600000101010101" pitchFamily="50" charset="-127"/>
                 <a:ea typeface="안동엄마까투리" panose="020B0600000101010101" pitchFamily="50" charset="-127"/>
               </a:rPr>
-              <a:t>경력</a:t>
+              <a:t>프로그램 제작 의도</a:t>
             </a:r>
             <a:endParaRPr lang="en-US" altLang="ko-KR" sz="2400" dirty="0">
               <a:latin typeface="안동엄마까투리" panose="020B0600000101010101" pitchFamily="50" charset="-127"/>
@@ -5825,7 +6089,7 @@
                 <a:latin typeface="안동엄마까투리" panose="020B0600000101010101" pitchFamily="50" charset="-127"/>
                 <a:ea typeface="안동엄마까투리" panose="020B0600000101010101" pitchFamily="50" charset="-127"/>
               </a:rPr>
-              <a:t>전작과의 차이점</a:t>
+              <a:t>프로그램 구조</a:t>
             </a:r>
             <a:endParaRPr lang="en-US" altLang="ko-KR" sz="2400" dirty="0">
               <a:latin typeface="안동엄마까투리" panose="020B0600000101010101" pitchFamily="50" charset="-127"/>
@@ -5834,11 +6098,34 @@
           </a:p>
           <a:p>
             <a:r>
+              <a:rPr lang="en-US" altLang="ko-KR" sz="2400" dirty="0">
+                <a:latin typeface="안동엄마까투리" panose="020B0600000101010101" pitchFamily="50" charset="-127"/>
+                <a:ea typeface="안동엄마까투리" panose="020B0600000101010101" pitchFamily="50" charset="-127"/>
+              </a:rPr>
+              <a:t>UML</a:t>
+            </a:r>
+          </a:p>
+          <a:p>
+            <a:r>
               <a:rPr lang="ko-KR" altLang="en-US" sz="2400" dirty="0">
                 <a:latin typeface="안동엄마까투리" panose="020B0600000101010101" pitchFamily="50" charset="-127"/>
                 <a:ea typeface="안동엄마까투리" panose="020B0600000101010101" pitchFamily="50" charset="-127"/>
               </a:rPr>
-              <a:t>사용된 기술</a:t>
+              <a:t>멤버변수 </a:t>
+            </a:r>
+            <a:r>
+              <a:rPr lang="en-US" altLang="ko-KR" sz="2400" dirty="0">
+                <a:latin typeface="안동엄마까투리" panose="020B0600000101010101" pitchFamily="50" charset="-127"/>
+                <a:ea typeface="안동엄마까투리" panose="020B0600000101010101" pitchFamily="50" charset="-127"/>
+              </a:rPr>
+              <a:t>&amp; </a:t>
+            </a:r>
+            <a:r>
+              <a:rPr lang="ko-KR" altLang="en-US" sz="2400" dirty="0">
+                <a:latin typeface="안동엄마까투리" panose="020B0600000101010101" pitchFamily="50" charset="-127"/>
+                <a:ea typeface="안동엄마까투리" panose="020B0600000101010101" pitchFamily="50" charset="-127"/>
+              </a:rPr>
+              <a:t>멤버함수</a:t>
             </a:r>
             <a:endParaRPr lang="en-US" altLang="ko-KR" sz="2400" dirty="0">
               <a:latin typeface="안동엄마까투리" panose="020B0600000101010101" pitchFamily="50" charset="-127"/>
@@ -5851,7 +6138,7 @@
                 <a:latin typeface="안동엄마까투리" panose="020B0600000101010101" pitchFamily="50" charset="-127"/>
                 <a:ea typeface="안동엄마까투리" panose="020B0600000101010101" pitchFamily="50" charset="-127"/>
               </a:rPr>
-              <a:t>게임 시연</a:t>
+              <a:t>시연</a:t>
             </a:r>
             <a:endParaRPr lang="en-US" altLang="ko-KR" sz="2400" dirty="0">
               <a:latin typeface="안동엄마까투리" panose="020B0600000101010101" pitchFamily="50" charset="-127"/>
@@ -5860,24 +6147,11 @@
           </a:p>
           <a:p>
             <a:r>
-              <a:rPr lang="ko-KR" altLang="en-US" sz="2400" dirty="0" err="1">
-                <a:latin typeface="안동엄마까투리" panose="020B0600000101010101" pitchFamily="50" charset="-127"/>
-                <a:ea typeface="안동엄마까투리" panose="020B0600000101010101" pitchFamily="50" charset="-127"/>
-              </a:rPr>
-              <a:t>배운점</a:t>
-            </a:r>
-            <a:endParaRPr lang="en-US" altLang="ko-KR" sz="2400" dirty="0">
-              <a:latin typeface="안동엄마까투리" panose="020B0600000101010101" pitchFamily="50" charset="-127"/>
-              <a:ea typeface="안동엄마까투리" panose="020B0600000101010101" pitchFamily="50" charset="-127"/>
-            </a:endParaRPr>
-          </a:p>
-          <a:p>
-            <a:r>
               <a:rPr lang="ko-KR" altLang="en-US" sz="2400" dirty="0">
                 <a:latin typeface="안동엄마까투리" panose="020B0600000101010101" pitchFamily="50" charset="-127"/>
                 <a:ea typeface="안동엄마까투리" panose="020B0600000101010101" pitchFamily="50" charset="-127"/>
               </a:rPr>
-              <a:t>마무리</a:t>
+              <a:t>소감</a:t>
             </a:r>
             <a:endParaRPr lang="en-US" altLang="ko-KR" sz="2400" dirty="0">
               <a:latin typeface="안동엄마까투리" panose="020B0600000101010101" pitchFamily="50" charset="-127"/>
@@ -5986,7 +6260,12 @@
             <p:ph idx="1"/>
           </p:nvPr>
         </p:nvSpPr>
-        <p:spPr/>
+        <p:spPr>
+          <a:xfrm>
+            <a:off x="1143000" y="1837678"/>
+            <a:ext cx="9872871" cy="4660776"/>
+          </a:xfrm>
+        </p:spPr>
         <p:txBody>
           <a:bodyPr>
             <a:normAutofit/>
@@ -6001,6 +6280,32 @@
                 <a:latin typeface="안동엄마까투리" panose="020B0600000101010101" pitchFamily="50" charset="-127"/>
                 <a:ea typeface="안동엄마까투리" panose="020B0600000101010101" pitchFamily="50" charset="-127"/>
               </a:rPr>
+              <a:t>[ </a:t>
+            </a:r>
+            <a:r>
+              <a:rPr lang="ko-KR" altLang="en-US" sz="2400" dirty="0">
+                <a:latin typeface="안동엄마까투리" panose="020B0600000101010101" pitchFamily="50" charset="-127"/>
+                <a:ea typeface="안동엄마까투리" panose="020B0600000101010101" pitchFamily="50" charset="-127"/>
+              </a:rPr>
+              <a:t>직접 상 </a:t>
+            </a:r>
+            <a:r>
+              <a:rPr lang="en-US" altLang="ko-KR" sz="2400" dirty="0">
+                <a:latin typeface="안동엄마까투리" panose="020B0600000101010101" pitchFamily="50" charset="-127"/>
+                <a:ea typeface="안동엄마까투리" panose="020B0600000101010101" pitchFamily="50" charset="-127"/>
+              </a:rPr>
+              <a:t>]</a:t>
+            </a:r>
+          </a:p>
+          <a:p>
+            <a:pPr marL="45720" indent="0">
+              <a:buNone/>
+            </a:pPr>
+            <a:r>
+              <a:rPr lang="en-US" altLang="ko-KR" sz="2400" dirty="0">
+                <a:latin typeface="안동엄마까투리" panose="020B0600000101010101" pitchFamily="50" charset="-127"/>
+                <a:ea typeface="안동엄마까투리" panose="020B0600000101010101" pitchFamily="50" charset="-127"/>
+              </a:rPr>
               <a:t>3</a:t>
             </a:r>
             <a:r>
@@ -6035,6 +6340,41 @@
               <a:latin typeface="안동엄마까투리" panose="020B0600000101010101" pitchFamily="50" charset="-127"/>
               <a:ea typeface="안동엄마까투리" panose="020B0600000101010101" pitchFamily="50" charset="-127"/>
             </a:endParaRPr>
+          </a:p>
+          <a:p>
+            <a:pPr marL="45720" indent="0">
+              <a:buNone/>
+            </a:pPr>
+            <a:endParaRPr lang="en-US" altLang="ko-KR" sz="2400" dirty="0">
+              <a:latin typeface="안동엄마까투리" panose="020B0600000101010101" pitchFamily="50" charset="-127"/>
+              <a:ea typeface="안동엄마까투리" panose="020B0600000101010101" pitchFamily="50" charset="-127"/>
+            </a:endParaRPr>
+          </a:p>
+          <a:p>
+            <a:pPr marL="45720" indent="0">
+              <a:buNone/>
+            </a:pPr>
+            <a:r>
+              <a:rPr lang="en-US" altLang="ko-KR" sz="2400" dirty="0">
+                <a:latin typeface="안동엄마까투리" panose="020B0600000101010101" pitchFamily="50" charset="-127"/>
+                <a:ea typeface="안동엄마까투리" panose="020B0600000101010101" pitchFamily="50" charset="-127"/>
+              </a:rPr>
+              <a:t>[ </a:t>
+            </a:r>
+            <a:r>
+              <a:rPr lang="ko-KR" altLang="en-US" sz="2400" dirty="0">
+                <a:latin typeface="안동엄마까투리" panose="020B0600000101010101" pitchFamily="50" charset="-127"/>
+                <a:ea typeface="안동엄마까투리" panose="020B0600000101010101" pitchFamily="50" charset="-127"/>
+              </a:rPr>
+              <a:t>간접 상 </a:t>
+            </a:r>
+            <a:r>
+              <a:rPr lang="en-US" altLang="ko-KR" sz="2400" dirty="0">
+                <a:latin typeface="안동엄마까투리" panose="020B0600000101010101" pitchFamily="50" charset="-127"/>
+                <a:ea typeface="안동엄마까투리" panose="020B0600000101010101" pitchFamily="50" charset="-127"/>
+              </a:rPr>
+              <a:t>]</a:t>
+            </a:r>
           </a:p>
           <a:p>
             <a:pPr marL="45720" indent="0">
@@ -6304,24 +6644,15 @@
                                   </p:childTnLst>
                                 </p:cTn>
                               </p:par>
-                            </p:childTnLst>
-                          </p:cTn>
-                        </p:par>
-                        <p:par>
-                          <p:cTn id="8" fill="hold">
-                            <p:stCondLst>
-                              <p:cond delay="300"/>
-                            </p:stCondLst>
-                            <p:childTnLst>
                               <p:par>
-                                <p:cTn id="9" presetID="10" presetClass="entr" presetSubtype="0" fill="hold" grpId="0" nodeType="afterEffect">
+                                <p:cTn id="8" presetID="10" presetClass="entr" presetSubtype="0" fill="hold" grpId="0" nodeType="withEffect">
                                   <p:stCondLst>
                                     <p:cond delay="0"/>
                                   </p:stCondLst>
                                   <p:childTnLst>
                                     <p:set>
                                       <p:cBhvr>
-                                        <p:cTn id="10" dur="1" fill="hold">
+                                        <p:cTn id="9" dur="1" fill="hold">
                                           <p:stCondLst>
                                             <p:cond delay="0"/>
                                           </p:stCondLst>
@@ -6343,7 +6674,7 @@
                                     </p:set>
                                     <p:animEffect transition="in" filter="fade">
                                       <p:cBhvr>
-                                        <p:cTn id="11" dur="300"/>
+                                        <p:cTn id="10" dur="300"/>
                                         <p:tgtEl>
                                           <p:spTgt spid="3">
                                             <p:txEl>
@@ -6356,76 +6687,15 @@
                                   </p:childTnLst>
                                 </p:cTn>
                               </p:par>
-                            </p:childTnLst>
-                          </p:cTn>
-                        </p:par>
-                        <p:par>
-                          <p:cTn id="12" fill="hold">
-                            <p:stCondLst>
-                              <p:cond delay="600"/>
-                            </p:stCondLst>
-                            <p:childTnLst>
                               <p:par>
-                                <p:cTn id="13" presetID="10" presetClass="entr" presetSubtype="0" fill="hold" grpId="0" nodeType="afterEffect">
+                                <p:cTn id="11" presetID="10" presetClass="entr" presetSubtype="0" fill="hold" grpId="0" nodeType="withEffect">
                                   <p:stCondLst>
                                     <p:cond delay="0"/>
                                   </p:stCondLst>
                                   <p:childTnLst>
                                     <p:set>
                                       <p:cBhvr>
-                                        <p:cTn id="14" dur="1" fill="hold">
-                                          <p:stCondLst>
-                                            <p:cond delay="0"/>
-                                          </p:stCondLst>
-                                        </p:cTn>
-                                        <p:tgtEl>
-                                          <p:spTgt spid="3">
-                                            <p:txEl>
-                                              <p:pRg st="2" end="2"/>
-                                            </p:txEl>
-                                          </p:spTgt>
-                                        </p:tgtEl>
-                                        <p:attrNameLst>
-                                          <p:attrName>style.visibility</p:attrName>
-                                        </p:attrNameLst>
-                                      </p:cBhvr>
-                                      <p:to>
-                                        <p:strVal val="visible"/>
-                                      </p:to>
-                                    </p:set>
-                                    <p:animEffect transition="in" filter="fade">
-                                      <p:cBhvr>
-                                        <p:cTn id="15" dur="300"/>
-                                        <p:tgtEl>
-                                          <p:spTgt spid="3">
-                                            <p:txEl>
-                                              <p:pRg st="2" end="2"/>
-                                            </p:txEl>
-                                          </p:spTgt>
-                                        </p:tgtEl>
-                                      </p:cBhvr>
-                                    </p:animEffect>
-                                  </p:childTnLst>
-                                </p:cTn>
-                              </p:par>
-                            </p:childTnLst>
-                          </p:cTn>
-                        </p:par>
-                        <p:par>
-                          <p:cTn id="16" fill="hold">
-                            <p:stCondLst>
-                              <p:cond delay="900"/>
-                            </p:stCondLst>
-                            <p:childTnLst>
-                              <p:par>
-                                <p:cTn id="17" presetID="10" presetClass="entr" presetSubtype="0" fill="hold" grpId="0" nodeType="afterEffect">
-                                  <p:stCondLst>
-                                    <p:cond delay="0"/>
-                                  </p:stCondLst>
-                                  <p:childTnLst>
-                                    <p:set>
-                                      <p:cBhvr>
-                                        <p:cTn id="18" dur="1" fill="hold">
+                                        <p:cTn id="12" dur="1" fill="hold">
                                           <p:stCondLst>
                                             <p:cond delay="0"/>
                                           </p:stCondLst>
@@ -6447,7 +6717,7 @@
                                     </p:set>
                                     <p:animEffect transition="in" filter="fade">
                                       <p:cBhvr>
-                                        <p:cTn id="19" dur="300"/>
+                                        <p:cTn id="13" dur="300"/>
                                         <p:tgtEl>
                                           <p:spTgt spid="3">
                                             <p:txEl>
@@ -6464,20 +6734,20 @@
                           </p:cTn>
                         </p:par>
                         <p:par>
-                          <p:cTn id="20" fill="hold">
+                          <p:cTn id="14" fill="hold">
                             <p:stCondLst>
-                              <p:cond delay="1200"/>
+                              <p:cond delay="300"/>
                             </p:stCondLst>
                             <p:childTnLst>
                               <p:par>
-                                <p:cTn id="21" presetID="10" presetClass="entr" presetSubtype="0" fill="hold" grpId="0" nodeType="afterEffect">
+                                <p:cTn id="15" presetID="10" presetClass="entr" presetSubtype="0" fill="hold" grpId="0" nodeType="afterEffect">
                                   <p:stCondLst>
                                     <p:cond delay="0"/>
                                   </p:stCondLst>
                                   <p:childTnLst>
                                     <p:set>
                                       <p:cBhvr>
-                                        <p:cTn id="22" dur="1" fill="hold">
+                                        <p:cTn id="16" dur="1" fill="hold">
                                           <p:stCondLst>
                                             <p:cond delay="0"/>
                                           </p:stCondLst>
@@ -6499,7 +6769,7 @@
                                     </p:set>
                                     <p:animEffect transition="in" filter="fade">
                                       <p:cBhvr>
-                                        <p:cTn id="23" dur="300"/>
+                                        <p:cTn id="17" dur="300"/>
                                         <p:tgtEl>
                                           <p:spTgt spid="3">
                                             <p:txEl>
@@ -6516,20 +6786,20 @@
                           </p:cTn>
                         </p:par>
                         <p:par>
-                          <p:cTn id="24" fill="hold">
+                          <p:cTn id="18" fill="hold">
                             <p:stCondLst>
-                              <p:cond delay="1500"/>
+                              <p:cond delay="600"/>
                             </p:stCondLst>
                             <p:childTnLst>
                               <p:par>
-                                <p:cTn id="25" presetID="10" presetClass="entr" presetSubtype="0" fill="hold" grpId="0" nodeType="afterEffect">
+                                <p:cTn id="19" presetID="10" presetClass="entr" presetSubtype="0" fill="hold" grpId="0" nodeType="afterEffect">
                                   <p:stCondLst>
                                     <p:cond delay="0"/>
                                   </p:stCondLst>
                                   <p:childTnLst>
                                     <p:set>
                                       <p:cBhvr>
-                                        <p:cTn id="26" dur="1" fill="hold">
+                                        <p:cTn id="20" dur="1" fill="hold">
                                           <p:stCondLst>
                                             <p:cond delay="0"/>
                                           </p:stCondLst>
@@ -6551,7 +6821,7 @@
                                     </p:set>
                                     <p:animEffect transition="in" filter="fade">
                                       <p:cBhvr>
-                                        <p:cTn id="27" dur="300"/>
+                                        <p:cTn id="21" dur="300"/>
                                         <p:tgtEl>
                                           <p:spTgt spid="3">
                                             <p:txEl>
@@ -6567,30 +6837,186 @@
                             </p:childTnLst>
                           </p:cTn>
                         </p:par>
-                      </p:childTnLst>
-                    </p:cTn>
-                  </p:par>
-                  <p:par>
-                    <p:cTn id="28" fill="hold">
-                      <p:stCondLst>
-                        <p:cond delay="indefinite"/>
-                      </p:stCondLst>
-                      <p:childTnLst>
                         <p:par>
-                          <p:cTn id="29" fill="hold">
+                          <p:cTn id="22" fill="hold">
                             <p:stCondLst>
-                              <p:cond delay="0"/>
+                              <p:cond delay="900"/>
                             </p:stCondLst>
                             <p:childTnLst>
                               <p:par>
-                                <p:cTn id="30" presetID="22" presetClass="entr" presetSubtype="1" fill="hold" grpId="0" nodeType="clickEffect">
+                                <p:cTn id="23" presetID="10" presetClass="entr" presetSubtype="0" fill="hold" grpId="0" nodeType="afterEffect">
                                   <p:stCondLst>
                                     <p:cond delay="0"/>
                                   </p:stCondLst>
                                   <p:childTnLst>
                                     <p:set>
                                       <p:cBhvr>
-                                        <p:cTn id="31" dur="1" fill="hold">
+                                        <p:cTn id="24" dur="1" fill="hold">
+                                          <p:stCondLst>
+                                            <p:cond delay="0"/>
+                                          </p:stCondLst>
+                                        </p:cTn>
+                                        <p:tgtEl>
+                                          <p:spTgt spid="3">
+                                            <p:txEl>
+                                              <p:pRg st="6" end="6"/>
+                                            </p:txEl>
+                                          </p:spTgt>
+                                        </p:tgtEl>
+                                        <p:attrNameLst>
+                                          <p:attrName>style.visibility</p:attrName>
+                                        </p:attrNameLst>
+                                      </p:cBhvr>
+                                      <p:to>
+                                        <p:strVal val="visible"/>
+                                      </p:to>
+                                    </p:set>
+                                    <p:animEffect transition="in" filter="fade">
+                                      <p:cBhvr>
+                                        <p:cTn id="25" dur="300"/>
+                                        <p:tgtEl>
+                                          <p:spTgt spid="3">
+                                            <p:txEl>
+                                              <p:pRg st="6" end="6"/>
+                                            </p:txEl>
+                                          </p:spTgt>
+                                        </p:tgtEl>
+                                      </p:cBhvr>
+                                    </p:animEffect>
+                                  </p:childTnLst>
+                                </p:cTn>
+                              </p:par>
+                            </p:childTnLst>
+                          </p:cTn>
+                        </p:par>
+                        <p:par>
+                          <p:cTn id="26" fill="hold">
+                            <p:stCondLst>
+                              <p:cond delay="1200"/>
+                            </p:stCondLst>
+                            <p:childTnLst>
+                              <p:par>
+                                <p:cTn id="27" presetID="10" presetClass="entr" presetSubtype="0" fill="hold" grpId="0" nodeType="afterEffect">
+                                  <p:stCondLst>
+                                    <p:cond delay="0"/>
+                                  </p:stCondLst>
+                                  <p:childTnLst>
+                                    <p:set>
+                                      <p:cBhvr>
+                                        <p:cTn id="28" dur="1" fill="hold">
+                                          <p:stCondLst>
+                                            <p:cond delay="0"/>
+                                          </p:stCondLst>
+                                        </p:cTn>
+                                        <p:tgtEl>
+                                          <p:spTgt spid="3">
+                                            <p:txEl>
+                                              <p:pRg st="7" end="7"/>
+                                            </p:txEl>
+                                          </p:spTgt>
+                                        </p:tgtEl>
+                                        <p:attrNameLst>
+                                          <p:attrName>style.visibility</p:attrName>
+                                        </p:attrNameLst>
+                                      </p:cBhvr>
+                                      <p:to>
+                                        <p:strVal val="visible"/>
+                                      </p:to>
+                                    </p:set>
+                                    <p:animEffect transition="in" filter="fade">
+                                      <p:cBhvr>
+                                        <p:cTn id="29" dur="300"/>
+                                        <p:tgtEl>
+                                          <p:spTgt spid="3">
+                                            <p:txEl>
+                                              <p:pRg st="7" end="7"/>
+                                            </p:txEl>
+                                          </p:spTgt>
+                                        </p:tgtEl>
+                                      </p:cBhvr>
+                                    </p:animEffect>
+                                  </p:childTnLst>
+                                </p:cTn>
+                              </p:par>
+                            </p:childTnLst>
+                          </p:cTn>
+                        </p:par>
+                        <p:par>
+                          <p:cTn id="30" fill="hold">
+                            <p:stCondLst>
+                              <p:cond delay="1500"/>
+                            </p:stCondLst>
+                            <p:childTnLst>
+                              <p:par>
+                                <p:cTn id="31" presetID="10" presetClass="entr" presetSubtype="0" fill="hold" grpId="0" nodeType="afterEffect">
+                                  <p:stCondLst>
+                                    <p:cond delay="0"/>
+                                  </p:stCondLst>
+                                  <p:childTnLst>
+                                    <p:set>
+                                      <p:cBhvr>
+                                        <p:cTn id="32" dur="1" fill="hold">
+                                          <p:stCondLst>
+                                            <p:cond delay="0"/>
+                                          </p:stCondLst>
+                                        </p:cTn>
+                                        <p:tgtEl>
+                                          <p:spTgt spid="3">
+                                            <p:txEl>
+                                              <p:pRg st="8" end="8"/>
+                                            </p:txEl>
+                                          </p:spTgt>
+                                        </p:tgtEl>
+                                        <p:attrNameLst>
+                                          <p:attrName>style.visibility</p:attrName>
+                                        </p:attrNameLst>
+                                      </p:cBhvr>
+                                      <p:to>
+                                        <p:strVal val="visible"/>
+                                      </p:to>
+                                    </p:set>
+                                    <p:animEffect transition="in" filter="fade">
+                                      <p:cBhvr>
+                                        <p:cTn id="33" dur="300"/>
+                                        <p:tgtEl>
+                                          <p:spTgt spid="3">
+                                            <p:txEl>
+                                              <p:pRg st="8" end="8"/>
+                                            </p:txEl>
+                                          </p:spTgt>
+                                        </p:tgtEl>
+                                      </p:cBhvr>
+                                    </p:animEffect>
+                                  </p:childTnLst>
+                                </p:cTn>
+                              </p:par>
+                            </p:childTnLst>
+                          </p:cTn>
+                        </p:par>
+                      </p:childTnLst>
+                    </p:cTn>
+                  </p:par>
+                  <p:par>
+                    <p:cTn id="34" fill="hold">
+                      <p:stCondLst>
+                        <p:cond delay="indefinite"/>
+                      </p:stCondLst>
+                      <p:childTnLst>
+                        <p:par>
+                          <p:cTn id="35" fill="hold">
+                            <p:stCondLst>
+                              <p:cond delay="0"/>
+                            </p:stCondLst>
+                            <p:childTnLst>
+                              <p:par>
+                                <p:cTn id="36" presetID="22" presetClass="entr" presetSubtype="1" fill="hold" grpId="0" nodeType="clickEffect">
+                                  <p:stCondLst>
+                                    <p:cond delay="0"/>
+                                  </p:stCondLst>
+                                  <p:childTnLst>
+                                    <p:set>
+                                      <p:cBhvr>
+                                        <p:cTn id="37" dur="1" fill="hold">
                                           <p:stCondLst>
                                             <p:cond delay="0"/>
                                           </p:stCondLst>
@@ -6608,7 +7034,7 @@
                                     </p:set>
                                     <p:animEffect transition="in" filter="wipe(up)">
                                       <p:cBhvr>
-                                        <p:cTn id="32" dur="500"/>
+                                        <p:cTn id="38" dur="500"/>
                                         <p:tgtEl>
                                           <p:spTgt spid="4"/>
                                         </p:tgtEl>
@@ -6695,8 +7121,19 @@
                 <a:latin typeface="안동엄마까투리" panose="020B0600000101010101" pitchFamily="50" charset="-127"/>
                 <a:ea typeface="안동엄마까투리" panose="020B0600000101010101" pitchFamily="50" charset="-127"/>
               </a:rPr>
-              <a:t>경력</a:t>
-            </a:r>
+              <a:t>콘솔 엔진 </a:t>
+            </a:r>
+            <a:r>
+              <a:rPr lang="en-US" altLang="ko-KR" dirty="0">
+                <a:latin typeface="안동엄마까투리" panose="020B0600000101010101" pitchFamily="50" charset="-127"/>
+                <a:ea typeface="안동엄마까투리" panose="020B0600000101010101" pitchFamily="50" charset="-127"/>
+              </a:rPr>
+              <a:t>UML</a:t>
+            </a:r>
+            <a:endParaRPr lang="ko-KR" altLang="en-US" dirty="0">
+              <a:latin typeface="안동엄마까투리" panose="020B0600000101010101" pitchFamily="50" charset="-127"/>
+              <a:ea typeface="안동엄마까투리" panose="020B0600000101010101" pitchFamily="50" charset="-127"/>
+            </a:endParaRPr>
           </a:p>
         </p:txBody>
       </p:sp>
@@ -6724,11 +7161,48 @@
           <a:lstStyle/>
           <a:p>
             <a:r>
-              <a:rPr lang="ko-KR" altLang="en-US" sz="3200" dirty="0" err="1">
-                <a:latin typeface="안동엄마까투리" panose="020B0600000101010101" pitchFamily="50" charset="-127"/>
-                <a:ea typeface="안동엄마까투리" panose="020B0600000101010101" pitchFamily="50" charset="-127"/>
-              </a:rPr>
-              <a:t>샌즈</a:t>
+              <a:rPr lang="en-US" altLang="ko-KR" sz="3200" dirty="0">
+                <a:latin typeface="안동엄마까투리" panose="020B0600000101010101" pitchFamily="50" charset="-127"/>
+                <a:ea typeface="안동엄마까투리" panose="020B0600000101010101" pitchFamily="50" charset="-127"/>
+              </a:rPr>
+              <a:t>Component Pattern</a:t>
+            </a:r>
+            <a:r>
+              <a:rPr lang="ko-KR" altLang="en-US" sz="3200" dirty="0">
+                <a:latin typeface="안동엄마까투리" panose="020B0600000101010101" pitchFamily="50" charset="-127"/>
+                <a:ea typeface="안동엄마까투리" panose="020B0600000101010101" pitchFamily="50" charset="-127"/>
+              </a:rPr>
+              <a:t> 사용</a:t>
+            </a:r>
+            <a:endParaRPr lang="en-US" altLang="ko-KR" sz="3200" dirty="0">
+              <a:latin typeface="안동엄마까투리" panose="020B0600000101010101" pitchFamily="50" charset="-127"/>
+              <a:ea typeface="안동엄마까투리" panose="020B0600000101010101" pitchFamily="50" charset="-127"/>
+            </a:endParaRPr>
+          </a:p>
+          <a:p>
+            <a:pPr marL="45720" indent="0">
+              <a:buNone/>
+            </a:pPr>
+            <a:r>
+              <a:rPr lang="en-US" altLang="ko-KR" sz="3200" dirty="0">
+                <a:latin typeface="안동엄마까투리" panose="020B0600000101010101" pitchFamily="50" charset="-127"/>
+                <a:ea typeface="안동엄마까투리" panose="020B0600000101010101" pitchFamily="50" charset="-127"/>
+              </a:rPr>
+              <a:t>- </a:t>
+            </a:r>
+            <a:r>
+              <a:rPr lang="ko-KR" altLang="en-US" sz="3200" dirty="0">
+                <a:latin typeface="안동엄마까투리" panose="020B0600000101010101" pitchFamily="50" charset="-127"/>
+                <a:ea typeface="안동엄마까투리" panose="020B0600000101010101" pitchFamily="50" charset="-127"/>
+              </a:rPr>
+              <a:t>컴포넌트 패턴을 사용해 확장성을 넓혔다</a:t>
+            </a:r>
+            <a:r>
+              <a:rPr lang="en-US" altLang="ko-KR" sz="3200" dirty="0">
+                <a:latin typeface="안동엄마까투리" panose="020B0600000101010101" pitchFamily="50" charset="-127"/>
+                <a:ea typeface="안동엄마까투리" panose="020B0600000101010101" pitchFamily="50" charset="-127"/>
+              </a:rPr>
+              <a:t>.</a:t>
             </a:r>
             <a:endParaRPr lang="ko-KR" altLang="en-US" sz="3200" dirty="0">
               <a:latin typeface="안동엄마까투리" panose="020B0600000101010101" pitchFamily="50" charset="-127"/>
@@ -6740,7 +7214,7 @@
     </p:spTree>
     <p:extLst>
       <p:ext uri="{BB962C8B-B14F-4D97-AF65-F5344CB8AC3E}">
-        <p14:creationId xmlns:p14="http://schemas.microsoft.com/office/powerpoint/2010/main" val="2615636134"/>
+        <p14:creationId xmlns:p14="http://schemas.microsoft.com/office/powerpoint/2010/main" val="1622920879"/>
       </p:ext>
     </p:extLst>
   </p:cSld>
@@ -6828,6 +7302,67 @@
                       </p:childTnLst>
                     </p:cTn>
                   </p:par>
+                  <p:par>
+                    <p:cTn id="8" fill="hold">
+                      <p:stCondLst>
+                        <p:cond delay="indefinite"/>
+                      </p:stCondLst>
+                      <p:childTnLst>
+                        <p:par>
+                          <p:cTn id="9" fill="hold">
+                            <p:stCondLst>
+                              <p:cond delay="0"/>
+                            </p:stCondLst>
+                            <p:childTnLst>
+                              <p:par>
+                                <p:cTn id="10" presetID="10" presetClass="entr" presetSubtype="0" fill="hold" nodeType="clickEffect">
+                                  <p:stCondLst>
+                                    <p:cond delay="0"/>
+                                  </p:stCondLst>
+                                  <p:childTnLst>
+                                    <p:set>
+                                      <p:cBhvr>
+                                        <p:cTn id="11" dur="1" fill="hold">
+                                          <p:stCondLst>
+                                            <p:cond delay="0"/>
+                                          </p:stCondLst>
+                                        </p:cTn>
+                                        <p:tgtEl>
+                                          <p:spTgt spid="7">
+                                            <p:txEl>
+                                              <p:pRg st="1" end="1"/>
+                                            </p:txEl>
+                                          </p:spTgt>
+                                        </p:tgtEl>
+                                        <p:attrNameLst>
+                                          <p:attrName>style.visibility</p:attrName>
+                                        </p:attrNameLst>
+                                      </p:cBhvr>
+                                      <p:to>
+                                        <p:strVal val="visible"/>
+                                      </p:to>
+                                    </p:set>
+                                    <p:animEffect transition="in" filter="fade">
+                                      <p:cBhvr>
+                                        <p:cTn id="12" dur="500"/>
+                                        <p:tgtEl>
+                                          <p:spTgt spid="7">
+                                            <p:txEl>
+                                              <p:pRg st="1" end="1"/>
+                                            </p:txEl>
+                                          </p:spTgt>
+                                        </p:tgtEl>
+                                      </p:cBhvr>
+                                    </p:animEffect>
+                                  </p:childTnLst>
+                                </p:cTn>
+                              </p:par>
+                            </p:childTnLst>
+                          </p:cTn>
+                        </p:par>
+                      </p:childTnLst>
+                    </p:cTn>
+                  </p:par>
                 </p:childTnLst>
               </p:cTn>
               <p:prevCondLst>
@@ -6896,7 +7431,7 @@
                 <a:latin typeface="안동엄마까투리" panose="020B0600000101010101" pitchFamily="50" charset="-127"/>
                 <a:ea typeface="안동엄마까투리" panose="020B0600000101010101" pitchFamily="50" charset="-127"/>
               </a:rPr>
-              <a:t>전작과의 차이점</a:t>
+              <a:t>사용된 기술</a:t>
             </a:r>
           </a:p>
         </p:txBody>
@@ -6925,11 +7460,18 @@
           <a:lstStyle/>
           <a:p>
             <a:r>
+              <a:rPr lang="en-US" altLang="ko-KR" sz="3200" dirty="0">
+                <a:latin typeface="안동엄마까투리" panose="020B0600000101010101" pitchFamily="50" charset="-127"/>
+                <a:ea typeface="안동엄마까투리" panose="020B0600000101010101" pitchFamily="50" charset="-127"/>
+              </a:rPr>
+              <a:t>Component Pattern</a:t>
+            </a:r>
+            <a:r>
               <a:rPr lang="ko-KR" altLang="en-US" sz="3200" dirty="0">
                 <a:latin typeface="안동엄마까투리" panose="020B0600000101010101" pitchFamily="50" charset="-127"/>
                 <a:ea typeface="안동엄마까투리" panose="020B0600000101010101" pitchFamily="50" charset="-127"/>
               </a:rPr>
-              <a:t>성능</a:t>
+              <a:t> 사용</a:t>
             </a:r>
             <a:endParaRPr lang="en-US" altLang="ko-KR" sz="3200" dirty="0">
               <a:latin typeface="안동엄마까투리" panose="020B0600000101010101" pitchFamily="50" charset="-127"/>
@@ -6937,12 +7479,16 @@
             </a:endParaRPr>
           </a:p>
           <a:p>
+            <a:pPr>
+              <a:buFontTx/>
+              <a:buChar char="-"/>
+            </a:pPr>
             <a:r>
               <a:rPr lang="ko-KR" altLang="en-US" sz="3200" dirty="0">
                 <a:latin typeface="안동엄마까투리" panose="020B0600000101010101" pitchFamily="50" charset="-127"/>
                 <a:ea typeface="안동엄마까투리" panose="020B0600000101010101" pitchFamily="50" charset="-127"/>
               </a:rPr>
-              <a:t>그래픽</a:t>
+              <a:t>유니티의 컴포넌트 방식으로</a:t>
             </a:r>
             <a:endParaRPr lang="en-US" altLang="ko-KR" sz="3200" dirty="0">
               <a:latin typeface="안동엄마까투리" panose="020B0600000101010101" pitchFamily="50" charset="-127"/>
@@ -6950,25 +7496,22 @@
             </a:endParaRPr>
           </a:p>
           <a:p>
+            <a:pPr marL="45720" indent="0">
+              <a:buNone/>
+            </a:pPr>
+            <a:r>
+              <a:rPr lang="en-US" altLang="ko-KR" sz="3200" dirty="0">
+                <a:latin typeface="안동엄마까투리" panose="020B0600000101010101" pitchFamily="50" charset="-127"/>
+                <a:ea typeface="안동엄마까투리" panose="020B0600000101010101" pitchFamily="50" charset="-127"/>
+              </a:rPr>
+              <a:t>  </a:t>
+            </a:r>
             <a:r>
               <a:rPr lang="ko-KR" altLang="en-US" sz="3200" dirty="0">
                 <a:latin typeface="안동엄마까투리" panose="020B0600000101010101" pitchFamily="50" charset="-127"/>
                 <a:ea typeface="안동엄마까투리" panose="020B0600000101010101" pitchFamily="50" charset="-127"/>
               </a:rPr>
-              <a:t>충돌 감지 방식</a:t>
-            </a:r>
-            <a:endParaRPr lang="en-US" altLang="ko-KR" sz="3200" dirty="0">
-              <a:latin typeface="안동엄마까투리" panose="020B0600000101010101" pitchFamily="50" charset="-127"/>
-              <a:ea typeface="안동엄마까투리" panose="020B0600000101010101" pitchFamily="50" charset="-127"/>
-            </a:endParaRPr>
-          </a:p>
-          <a:p>
-            <a:r>
-              <a:rPr lang="ko-KR" altLang="en-US" sz="3200" dirty="0">
-                <a:latin typeface="안동엄마까투리" panose="020B0600000101010101" pitchFamily="50" charset="-127"/>
-                <a:ea typeface="안동엄마까투리" panose="020B0600000101010101" pitchFamily="50" charset="-127"/>
-              </a:rPr>
-              <a:t>확장성</a:t>
+              <a:t>확장성이 넓고 유지보수가 쉬운 것이 특징</a:t>
             </a:r>
           </a:p>
         </p:txBody>
@@ -6976,7 +7519,7 @@
     </p:spTree>
     <p:extLst>
       <p:ext uri="{BB962C8B-B14F-4D97-AF65-F5344CB8AC3E}">
-        <p14:creationId xmlns:p14="http://schemas.microsoft.com/office/powerpoint/2010/main" val="1622920879"/>
+        <p14:creationId xmlns:p14="http://schemas.microsoft.com/office/powerpoint/2010/main" val="2231672167"/>
       </p:ext>
     </p:extLst>
   </p:cSld>
@@ -7186,27 +7729,204 @@
                       </p:childTnLst>
                     </p:cTn>
                   </p:par>
+                </p:childTnLst>
+              </p:cTn>
+              <p:prevCondLst>
+                <p:cond evt="onPrev" delay="0">
+                  <p:tgtEl>
+                    <p:sldTgt/>
+                  </p:tgtEl>
+                </p:cond>
+              </p:prevCondLst>
+              <p:nextCondLst>
+                <p:cond evt="onNext" delay="0">
+                  <p:tgtEl>
+                    <p:sldTgt/>
+                  </p:tgtEl>
+                </p:cond>
+              </p:nextCondLst>
+            </p:seq>
+          </p:childTnLst>
+        </p:cTn>
+      </p:par>
+    </p:tnLst>
+  </p:timing>
+</p:sld>
+</file>
+
+<file path=ppt/slides/slide7.xml><?xml version="1.0" encoding="utf-8"?>
+<p:sld xmlns:a="http://schemas.openxmlformats.org/drawingml/2006/main" xmlns:r="http://schemas.openxmlformats.org/officeDocument/2006/relationships" xmlns:p="http://schemas.openxmlformats.org/presentationml/2006/main">
+  <p:cSld>
+    <p:spTree>
+      <p:nvGrpSpPr>
+        <p:cNvPr id="1" name=""/>
+        <p:cNvGrpSpPr/>
+        <p:nvPr/>
+      </p:nvGrpSpPr>
+      <p:grpSpPr>
+        <a:xfrm>
+          <a:off x="0" y="0"/>
+          <a:ext cx="0" cy="0"/>
+          <a:chOff x="0" y="0"/>
+          <a:chExt cx="0" cy="0"/>
+        </a:xfrm>
+      </p:grpSpPr>
+      <p:sp>
+        <p:nvSpPr>
+          <p:cNvPr id="2" name="제목 1">
+            <a:extLst>
+              <a:ext uri="{FF2B5EF4-FFF2-40B4-BE49-F238E27FC236}">
+                <a16:creationId xmlns:a16="http://schemas.microsoft.com/office/drawing/2014/main" id="{19130A0D-52CC-81DD-D1A7-CB1011320771}"/>
+              </a:ext>
+            </a:extLst>
+          </p:cNvPr>
+          <p:cNvSpPr>
+            <a:spLocks noGrp="1"/>
+          </p:cNvSpPr>
+          <p:nvPr>
+            <p:ph type="title"/>
+          </p:nvPr>
+        </p:nvSpPr>
+        <p:spPr/>
+        <p:txBody>
+          <a:bodyPr/>
+          <a:lstStyle/>
+          <a:p>
+            <a:r>
+              <a:rPr lang="ko-KR" altLang="en-US" dirty="0">
+                <a:latin typeface="안동엄마까투리" panose="020B0600000101010101" pitchFamily="50" charset="-127"/>
+                <a:ea typeface="안동엄마까투리" panose="020B0600000101010101" pitchFamily="50" charset="-127"/>
+              </a:rPr>
+              <a:t>사용된 기술</a:t>
+            </a:r>
+          </a:p>
+        </p:txBody>
+      </p:sp>
+      <p:sp>
+        <p:nvSpPr>
+          <p:cNvPr id="7" name="내용 개체 틀 6">
+            <a:extLst>
+              <a:ext uri="{FF2B5EF4-FFF2-40B4-BE49-F238E27FC236}">
+                <a16:creationId xmlns:a16="http://schemas.microsoft.com/office/drawing/2014/main" id="{5A90B3F1-3EA7-7043-EC2C-689B38B1148C}"/>
+              </a:ext>
+            </a:extLst>
+          </p:cNvPr>
+          <p:cNvSpPr>
+            <a:spLocks noGrp="1"/>
+          </p:cNvSpPr>
+          <p:nvPr>
+            <p:ph idx="1"/>
+          </p:nvPr>
+        </p:nvSpPr>
+        <p:spPr/>
+        <p:txBody>
+          <a:bodyPr>
+            <a:normAutofit/>
+          </a:bodyPr>
+          <a:lstStyle/>
+          <a:p>
+            <a:r>
+              <a:rPr lang="en-US" altLang="ko-KR" sz="3200" dirty="0">
+                <a:latin typeface="안동엄마까투리" panose="020B0600000101010101" pitchFamily="50" charset="-127"/>
+                <a:ea typeface="안동엄마까투리" panose="020B0600000101010101" pitchFamily="50" charset="-127"/>
+              </a:rPr>
+              <a:t>Component Pattern</a:t>
+            </a:r>
+            <a:r>
+              <a:rPr lang="ko-KR" altLang="en-US" sz="3200" dirty="0">
+                <a:latin typeface="안동엄마까투리" panose="020B0600000101010101" pitchFamily="50" charset="-127"/>
+                <a:ea typeface="안동엄마까투리" panose="020B0600000101010101" pitchFamily="50" charset="-127"/>
+              </a:rPr>
+              <a:t> 사용</a:t>
+            </a:r>
+            <a:endParaRPr lang="en-US" altLang="ko-KR" sz="3200" dirty="0">
+              <a:latin typeface="안동엄마까투리" panose="020B0600000101010101" pitchFamily="50" charset="-127"/>
+              <a:ea typeface="안동엄마까투리" panose="020B0600000101010101" pitchFamily="50" charset="-127"/>
+            </a:endParaRPr>
+          </a:p>
+          <a:p>
+            <a:pPr marL="45720" indent="0">
+              <a:buNone/>
+            </a:pPr>
+            <a:r>
+              <a:rPr lang="en-US" altLang="ko-KR" sz="3200" dirty="0">
+                <a:latin typeface="안동엄마까투리" panose="020B0600000101010101" pitchFamily="50" charset="-127"/>
+                <a:ea typeface="안동엄마까투리" panose="020B0600000101010101" pitchFamily="50" charset="-127"/>
+              </a:rPr>
+              <a:t>- </a:t>
+            </a:r>
+            <a:r>
+              <a:rPr lang="ko-KR" altLang="en-US" sz="3200" dirty="0">
+                <a:latin typeface="안동엄마까투리" panose="020B0600000101010101" pitchFamily="50" charset="-127"/>
+                <a:ea typeface="안동엄마까투리" panose="020B0600000101010101" pitchFamily="50" charset="-127"/>
+              </a:rPr>
+              <a:t>컴포넌트 패턴을 사용해 확장성을 넓혔다</a:t>
+            </a:r>
+            <a:r>
+              <a:rPr lang="en-US" altLang="ko-KR" sz="3200" dirty="0">
+                <a:latin typeface="안동엄마까투리" panose="020B0600000101010101" pitchFamily="50" charset="-127"/>
+                <a:ea typeface="안동엄마까투리" panose="020B0600000101010101" pitchFamily="50" charset="-127"/>
+              </a:rPr>
+              <a:t>.</a:t>
+            </a:r>
+            <a:endParaRPr lang="ko-KR" altLang="en-US" sz="3200" dirty="0">
+              <a:latin typeface="안동엄마까투리" panose="020B0600000101010101" pitchFamily="50" charset="-127"/>
+              <a:ea typeface="안동엄마까투리" panose="020B0600000101010101" pitchFamily="50" charset="-127"/>
+            </a:endParaRPr>
+          </a:p>
+        </p:txBody>
+      </p:sp>
+    </p:spTree>
+    <p:extLst>
+      <p:ext uri="{BB962C8B-B14F-4D97-AF65-F5344CB8AC3E}">
+        <p14:creationId xmlns:p14="http://schemas.microsoft.com/office/powerpoint/2010/main" val="1929815842"/>
+      </p:ext>
+    </p:extLst>
+  </p:cSld>
+  <p:clrMapOvr>
+    <a:masterClrMapping/>
+  </p:clrMapOvr>
+  <mc:AlternateContent xmlns:mc="http://schemas.openxmlformats.org/markup-compatibility/2006" xmlns:p15="http://schemas.microsoft.com/office/powerpoint/2012/main">
+    <mc:Choice Requires="p15">
+      <p:transition xmlns:p14="http://schemas.microsoft.com/office/powerpoint/2010/main" spd="slow" p14:dur="1250">
+        <p15:prstTrans prst="peelOff"/>
+      </p:transition>
+    </mc:Choice>
+    <mc:Fallback xmlns="">
+      <p:transition spd="slow">
+        <p:fade/>
+      </p:transition>
+    </mc:Fallback>
+  </mc:AlternateContent>
+  <p:timing>
+    <p:tnLst>
+      <p:par>
+        <p:cTn id="1" dur="indefinite" restart="never" nodeType="tmRoot">
+          <p:childTnLst>
+            <p:seq concurrent="1" nextAc="seek">
+              <p:cTn id="2" dur="indefinite" nodeType="mainSeq">
+                <p:childTnLst>
                   <p:par>
-                    <p:cTn id="18" fill="hold">
+                    <p:cTn id="3" fill="hold">
                       <p:stCondLst>
                         <p:cond delay="indefinite"/>
                       </p:stCondLst>
                       <p:childTnLst>
                         <p:par>
-                          <p:cTn id="19" fill="hold">
+                          <p:cTn id="4" fill="hold">
                             <p:stCondLst>
                               <p:cond delay="0"/>
                             </p:stCondLst>
                             <p:childTnLst>
                               <p:par>
-                                <p:cTn id="20" presetID="10" presetClass="entr" presetSubtype="0" fill="hold" nodeType="clickEffect">
+                                <p:cTn id="5" presetID="10" presetClass="entr" presetSubtype="0" fill="hold" nodeType="clickEffect">
                                   <p:stCondLst>
                                     <p:cond delay="0"/>
                                   </p:stCondLst>
                                   <p:childTnLst>
                                     <p:set>
                                       <p:cBhvr>
-                                        <p:cTn id="21" dur="1" fill="hold">
+                                        <p:cTn id="6" dur="1" fill="hold">
                                           <p:stCondLst>
                                             <p:cond delay="0"/>
                                           </p:stCondLst>
@@ -7214,7 +7934,7 @@
                                         <p:tgtEl>
                                           <p:spTgt spid="7">
                                             <p:txEl>
-                                              <p:pRg st="3" end="3"/>
+                                              <p:pRg st="0" end="0"/>
                                             </p:txEl>
                                           </p:spTgt>
                                         </p:tgtEl>
@@ -7228,11 +7948,72 @@
                                     </p:set>
                                     <p:animEffect transition="in" filter="fade">
                                       <p:cBhvr>
-                                        <p:cTn id="22" dur="500"/>
+                                        <p:cTn id="7" dur="500"/>
                                         <p:tgtEl>
                                           <p:spTgt spid="7">
                                             <p:txEl>
-                                              <p:pRg st="3" end="3"/>
+                                              <p:pRg st="0" end="0"/>
+                                            </p:txEl>
+                                          </p:spTgt>
+                                        </p:tgtEl>
+                                      </p:cBhvr>
+                                    </p:animEffect>
+                                  </p:childTnLst>
+                                </p:cTn>
+                              </p:par>
+                            </p:childTnLst>
+                          </p:cTn>
+                        </p:par>
+                      </p:childTnLst>
+                    </p:cTn>
+                  </p:par>
+                  <p:par>
+                    <p:cTn id="8" fill="hold">
+                      <p:stCondLst>
+                        <p:cond delay="indefinite"/>
+                      </p:stCondLst>
+                      <p:childTnLst>
+                        <p:par>
+                          <p:cTn id="9" fill="hold">
+                            <p:stCondLst>
+                              <p:cond delay="0"/>
+                            </p:stCondLst>
+                            <p:childTnLst>
+                              <p:par>
+                                <p:cTn id="10" presetID="10" presetClass="entr" presetSubtype="0" fill="hold" nodeType="clickEffect">
+                                  <p:stCondLst>
+                                    <p:cond delay="0"/>
+                                  </p:stCondLst>
+                                  <p:childTnLst>
+                                    <p:set>
+                                      <p:cBhvr>
+                                        <p:cTn id="11" dur="1" fill="hold">
+                                          <p:stCondLst>
+                                            <p:cond delay="0"/>
+                                          </p:stCondLst>
+                                        </p:cTn>
+                                        <p:tgtEl>
+                                          <p:spTgt spid="7">
+                                            <p:txEl>
+                                              <p:pRg st="1" end="1"/>
+                                            </p:txEl>
+                                          </p:spTgt>
+                                        </p:tgtEl>
+                                        <p:attrNameLst>
+                                          <p:attrName>style.visibility</p:attrName>
+                                        </p:attrNameLst>
+                                      </p:cBhvr>
+                                      <p:to>
+                                        <p:strVal val="visible"/>
+                                      </p:to>
+                                    </p:set>
+                                    <p:animEffect transition="in" filter="fade">
+                                      <p:cBhvr>
+                                        <p:cTn id="12" dur="500"/>
+                                        <p:tgtEl>
+                                          <p:spTgt spid="7">
+                                            <p:txEl>
+                                              <p:pRg st="1" end="1"/>
                                             </p:txEl>
                                           </p:spTgt>
                                         </p:tgtEl>
@@ -7272,7 +8053,7 @@
 </p:sld>
 </file>
 
-<file path=ppt/slides/slide7.xml><?xml version="1.0" encoding="utf-8"?>
+<file path=ppt/slides/slide8.xml><?xml version="1.0" encoding="utf-8"?>
 <p:sld xmlns:a="http://schemas.openxmlformats.org/drawingml/2006/main" xmlns:r="http://schemas.openxmlformats.org/officeDocument/2006/relationships" xmlns:p="http://schemas.openxmlformats.org/presentationml/2006/main">
   <p:cSld>
     <p:spTree>
@@ -7527,7 +8308,7 @@
 </p:sld>
 </file>
 
-<file path=ppt/slides/slide8.xml><?xml version="1.0" encoding="utf-8"?>
+<file path=ppt/slides/slide9.xml><?xml version="1.0" encoding="utf-8"?>
 <p:sld xmlns:a="http://schemas.openxmlformats.org/drawingml/2006/main" xmlns:r="http://schemas.openxmlformats.org/officeDocument/2006/relationships" xmlns:p="http://schemas.openxmlformats.org/presentationml/2006/main">
   <p:cSld>
     <p:spTree>
@@ -7782,269 +8563,6 @@
     <p:extLst>
       <p:ext uri="{BB962C8B-B14F-4D97-AF65-F5344CB8AC3E}">
         <p14:creationId xmlns:p14="http://schemas.microsoft.com/office/powerpoint/2010/main" val="846460322"/>
-      </p:ext>
-    </p:extLst>
-  </p:cSld>
-  <p:clrMapOvr>
-    <a:masterClrMapping/>
-  </p:clrMapOvr>
-  <mc:AlternateContent xmlns:mc="http://schemas.openxmlformats.org/markup-compatibility/2006" xmlns:p15="http://schemas.microsoft.com/office/powerpoint/2012/main">
-    <mc:Choice Requires="p15">
-      <p:transition xmlns:p14="http://schemas.microsoft.com/office/powerpoint/2010/main" spd="slow" p14:dur="1250">
-        <p15:prstTrans prst="peelOff"/>
-      </p:transition>
-    </mc:Choice>
-    <mc:Fallback xmlns="">
-      <p:transition spd="slow">
-        <p:fade/>
-      </p:transition>
-    </mc:Fallback>
-  </mc:AlternateContent>
-</p:sld>
-</file>
-
-<file path=ppt/slides/slide9.xml><?xml version="1.0" encoding="utf-8"?>
-<p:sld xmlns:a="http://schemas.openxmlformats.org/drawingml/2006/main" xmlns:r="http://schemas.openxmlformats.org/officeDocument/2006/relationships" xmlns:p="http://schemas.openxmlformats.org/presentationml/2006/main">
-  <p:cSld>
-    <p:spTree>
-      <p:nvGrpSpPr>
-        <p:cNvPr id="1" name=""/>
-        <p:cNvGrpSpPr/>
-        <p:nvPr/>
-      </p:nvGrpSpPr>
-      <p:grpSpPr>
-        <a:xfrm>
-          <a:off x="0" y="0"/>
-          <a:ext cx="0" cy="0"/>
-          <a:chOff x="0" y="0"/>
-          <a:chExt cx="0" cy="0"/>
-        </a:xfrm>
-      </p:grpSpPr>
-      <p:sp>
-        <p:nvSpPr>
-          <p:cNvPr id="2" name="제목 1">
-            <a:extLst>
-              <a:ext uri="{FF2B5EF4-FFF2-40B4-BE49-F238E27FC236}">
-                <a16:creationId xmlns:a16="http://schemas.microsoft.com/office/drawing/2014/main" id="{19130A0D-52CC-81DD-D1A7-CB1011320771}"/>
-              </a:ext>
-            </a:extLst>
-          </p:cNvPr>
-          <p:cNvSpPr>
-            <a:spLocks noGrp="1"/>
-          </p:cNvSpPr>
-          <p:nvPr>
-            <p:ph type="title"/>
-          </p:nvPr>
-        </p:nvSpPr>
-        <p:spPr/>
-        <p:txBody>
-          <a:bodyPr/>
-          <a:lstStyle/>
-          <a:p>
-            <a:r>
-              <a:rPr lang="ko-KR" altLang="en-US" dirty="0">
-                <a:latin typeface="안동엄마까투리" panose="020B0600000101010101" pitchFamily="50" charset="-127"/>
-                <a:ea typeface="안동엄마까투리" panose="020B0600000101010101" pitchFamily="50" charset="-127"/>
-              </a:rPr>
-              <a:t>전작과의 차이점 </a:t>
-            </a:r>
-            <a:r>
-              <a:rPr lang="en-US" altLang="ko-KR" dirty="0">
-                <a:latin typeface="안동엄마까투리" panose="020B0600000101010101" pitchFamily="50" charset="-127"/>
-                <a:ea typeface="안동엄마까투리" panose="020B0600000101010101" pitchFamily="50" charset="-127"/>
-              </a:rPr>
-              <a:t>– </a:t>
-            </a:r>
-            <a:r>
-              <a:rPr lang="ko-KR" altLang="en-US" dirty="0">
-                <a:latin typeface="안동엄마까투리" panose="020B0600000101010101" pitchFamily="50" charset="-127"/>
-                <a:ea typeface="안동엄마까투리" panose="020B0600000101010101" pitchFamily="50" charset="-127"/>
-              </a:rPr>
-              <a:t>충돌 감지</a:t>
-            </a:r>
-          </a:p>
-        </p:txBody>
-      </p:sp>
-      <p:graphicFrame>
-        <p:nvGraphicFramePr>
-          <p:cNvPr id="5" name="표 5">
-            <a:extLst>
-              <a:ext uri="{FF2B5EF4-FFF2-40B4-BE49-F238E27FC236}">
-                <a16:creationId xmlns:a16="http://schemas.microsoft.com/office/drawing/2014/main" id="{7C148D80-6977-BEB8-81D1-2DBD18736FDE}"/>
-              </a:ext>
-            </a:extLst>
-          </p:cNvPr>
-          <p:cNvGraphicFramePr>
-            <a:graphicFrameLocks noGrp="1"/>
-          </p:cNvGraphicFramePr>
-          <p:nvPr>
-            <p:ph idx="1"/>
-            <p:extLst>
-              <p:ext uri="{D42A27DB-BD31-4B8C-83A1-F6EECF244321}">
-                <p14:modId xmlns:p14="http://schemas.microsoft.com/office/powerpoint/2010/main" val="3824559600"/>
-              </p:ext>
-            </p:extLst>
-          </p:nvPr>
-        </p:nvGraphicFramePr>
-        <p:xfrm>
-          <a:off x="1176338" y="1965960"/>
-          <a:ext cx="9872662" cy="4190999"/>
-        </p:xfrm>
-        <a:graphic>
-          <a:graphicData uri="http://schemas.openxmlformats.org/drawingml/2006/table">
-            <a:tbl>
-              <a:tblPr firstRow="1" bandRow="1">
-                <a:tableStyleId>{5C22544A-7EE6-4342-B048-85BDC9FD1C3A}</a:tableStyleId>
-              </a:tblPr>
-              <a:tblGrid>
-                <a:gridCol w="4936331">
-                  <a:extLst>
-                    <a:ext uri="{9D8B030D-6E8A-4147-A177-3AD203B41FA5}">
-                      <a16:colId xmlns:a16="http://schemas.microsoft.com/office/drawing/2014/main" val="1889805712"/>
-                    </a:ext>
-                  </a:extLst>
-                </a:gridCol>
-                <a:gridCol w="4936331">
-                  <a:extLst>
-                    <a:ext uri="{9D8B030D-6E8A-4147-A177-3AD203B41FA5}">
-                      <a16:colId xmlns:a16="http://schemas.microsoft.com/office/drawing/2014/main" val="2261537799"/>
-                    </a:ext>
-                  </a:extLst>
-                </a:gridCol>
-              </a:tblGrid>
-              <a:tr h="406203">
-                <a:tc>
-                  <a:txBody>
-                    <a:bodyPr/>
-                    <a:lstStyle/>
-                    <a:p>
-                      <a:pPr algn="ctr" latinLnBrk="1"/>
-                      <a:r>
-                        <a:rPr lang="en-US" altLang="ko-KR" b="1" dirty="0" err="1">
-                          <a:latin typeface="Georgia" panose="02040502050405020303" pitchFamily="18" charset="0"/>
-                        </a:rPr>
-                        <a:t>Dalma</a:t>
-                      </a:r>
-                      <a:endParaRPr lang="ko-KR" altLang="en-US" b="1" dirty="0">
-                        <a:latin typeface="Georgia" panose="02040502050405020303" pitchFamily="18" charset="0"/>
-                      </a:endParaRPr>
-                    </a:p>
-                  </a:txBody>
-                  <a:tcPr/>
-                </a:tc>
-                <a:tc>
-                  <a:txBody>
-                    <a:bodyPr/>
-                    <a:lstStyle/>
-                    <a:p>
-                      <a:pPr algn="ctr" latinLnBrk="1"/>
-                      <a:r>
-                        <a:rPr lang="en-US" altLang="ko-KR" b="1" dirty="0">
-                          <a:latin typeface="Georgia" panose="02040502050405020303" pitchFamily="18" charset="0"/>
-                        </a:rPr>
-                        <a:t>Console Engine</a:t>
-                      </a:r>
-                      <a:endParaRPr lang="ko-KR" altLang="en-US" b="1" dirty="0">
-                        <a:latin typeface="Georgia" panose="02040502050405020303" pitchFamily="18" charset="0"/>
-                      </a:endParaRPr>
-                    </a:p>
-                  </a:txBody>
-                  <a:tcPr/>
-                </a:tc>
-                <a:extLst>
-                  <a:ext uri="{0D108BD9-81ED-4DB2-BD59-A6C34878D82A}">
-                    <a16:rowId xmlns:a16="http://schemas.microsoft.com/office/drawing/2014/main" val="2044537910"/>
-                  </a:ext>
-                </a:extLst>
-              </a:tr>
-              <a:tr h="3784796">
-                <a:tc>
-                  <a:txBody>
-                    <a:bodyPr/>
-                    <a:lstStyle/>
-                    <a:p>
-                      <a:pPr algn="ctr" latinLnBrk="1"/>
-                      <a:r>
-                        <a:rPr lang="ko-KR" altLang="en-US" dirty="0">
-                          <a:solidFill>
-                            <a:schemeClr val="accent1"/>
-                          </a:solidFill>
-                        </a:rPr>
-                        <a:t>픽셀감지 방식과</a:t>
-                      </a:r>
-                      <a:endParaRPr lang="en-US" altLang="ko-KR" dirty="0">
-                        <a:solidFill>
-                          <a:schemeClr val="accent1"/>
-                        </a:solidFill>
-                      </a:endParaRPr>
-                    </a:p>
-                    <a:p>
-                      <a:pPr algn="ctr" latinLnBrk="1"/>
-                      <a:r>
-                        <a:rPr lang="en-US" altLang="ko-KR" dirty="0">
-                          <a:solidFill>
-                            <a:schemeClr val="accent1"/>
-                          </a:solidFill>
-                        </a:rPr>
-                        <a:t>OBB</a:t>
-                      </a:r>
-                      <a:r>
-                        <a:rPr lang="ko-KR" altLang="en-US" dirty="0">
-                          <a:solidFill>
-                            <a:schemeClr val="accent1"/>
-                          </a:solidFill>
-                        </a:rPr>
-                        <a:t>방식의 차이점</a:t>
-                      </a:r>
-                      <a:r>
-                        <a:rPr lang="en-US" altLang="ko-KR" dirty="0">
-                          <a:solidFill>
-                            <a:schemeClr val="accent1"/>
-                          </a:solidFill>
-                        </a:rPr>
-                        <a:t>? </a:t>
-                      </a:r>
-                      <a:r>
-                        <a:rPr lang="ko-KR" altLang="en-US" dirty="0">
-                          <a:solidFill>
-                            <a:schemeClr val="accent1"/>
-                          </a:solidFill>
-                        </a:rPr>
-                        <a:t>서술</a:t>
-                      </a:r>
-                    </a:p>
-                  </a:txBody>
-                  <a:tcPr/>
-                </a:tc>
-                <a:tc>
-                  <a:txBody>
-                    <a:bodyPr/>
-                    <a:lstStyle/>
-                    <a:p>
-                      <a:pPr algn="ctr" latinLnBrk="1"/>
-                      <a:endParaRPr lang="ko-KR" altLang="en-US" dirty="0">
-                        <a:solidFill>
-                          <a:schemeClr val="accent1"/>
-                        </a:solidFill>
-                      </a:endParaRPr>
-                    </a:p>
-                  </a:txBody>
-                  <a:tcPr/>
-                </a:tc>
-                <a:extLst>
-                  <a:ext uri="{0D108BD9-81ED-4DB2-BD59-A6C34878D82A}">
-                    <a16:rowId xmlns:a16="http://schemas.microsoft.com/office/drawing/2014/main" val="1622543783"/>
-                  </a:ext>
-                </a:extLst>
-              </a:tr>
-            </a:tbl>
-          </a:graphicData>
-        </a:graphic>
-      </p:graphicFrame>
-    </p:spTree>
-    <p:extLst>
-      <p:ext uri="{BB962C8B-B14F-4D97-AF65-F5344CB8AC3E}">
-        <p14:creationId xmlns:p14="http://schemas.microsoft.com/office/powerpoint/2010/main" val="1106584346"/>
       </p:ext>
     </p:extLst>
   </p:cSld>
